--- a/Class in Dart.pptx
+++ b/Class in Dart.pptx
@@ -7,10 +7,11 @@
   <p:sldIdLst>
     <p:sldId id="259" r:id="rId5"/>
     <p:sldId id="261" r:id="rId6"/>
-    <p:sldId id="258" r:id="rId7"/>
-    <p:sldId id="260" r:id="rId8"/>
-    <p:sldId id="257" r:id="rId9"/>
-    <p:sldId id="263" r:id="rId10"/>
+    <p:sldId id="264" r:id="rId7"/>
+    <p:sldId id="258" r:id="rId8"/>
+    <p:sldId id="265" r:id="rId9"/>
+    <p:sldId id="257" r:id="rId10"/>
+    <p:sldId id="263" r:id="rId11"/>
   </p:sldIdLst>
   <p:sldSz cx="12192000" cy="6858000"/>
   <p:notesSz cx="6858000" cy="9144000"/>
@@ -837,7 +838,7 @@
               <a:pPr>
                 <a:defRPr/>
               </a:pPr>
-              <a:t>28/09/66</a:t>
+              <a:t>29/09/66</a:t>
             </a:fld>
             <a:endParaRPr lang="th-TH"/>
           </a:p>
@@ -1219,7 +1220,7 @@
               <a:pPr>
                 <a:defRPr/>
               </a:pPr>
-              <a:t>28/09/66</a:t>
+              <a:t>29/09/66</a:t>
             </a:fld>
             <a:endParaRPr lang="th-TH"/>
           </a:p>
@@ -1629,7 +1630,7 @@
               <a:pPr>
                 <a:defRPr/>
               </a:pPr>
-              <a:t>28/09/66</a:t>
+              <a:t>29/09/66</a:t>
             </a:fld>
             <a:endParaRPr lang="th-TH"/>
           </a:p>
@@ -2021,7 +2022,7 @@
               <a:pPr>
                 <a:defRPr/>
               </a:pPr>
-              <a:t>28/09/66</a:t>
+              <a:t>29/09/66</a:t>
             </a:fld>
             <a:endParaRPr lang="th-TH"/>
           </a:p>
@@ -2552,7 +2553,7 @@
               <a:pPr>
                 <a:defRPr/>
               </a:pPr>
-              <a:t>28/09/66</a:t>
+              <a:t>29/09/66</a:t>
             </a:fld>
             <a:endParaRPr lang="th-TH"/>
           </a:p>
@@ -3269,13 +3270,13 @@
         </p:nvSpPr>
         <p:spPr>
           <a:xfrm>
-            <a:off x="5622421" y="1711410"/>
+            <a:off x="5622421" y="1498649"/>
             <a:ext cx="6201934" cy="3435179"/>
           </a:xfrm>
         </p:spPr>
         <p:txBody>
           <a:bodyPr>
-            <a:normAutofit fontScale="90000"/>
+            <a:normAutofit/>
           </a:bodyPr>
           <a:lstStyle/>
           <a:p>
@@ -3483,216 +3484,6 @@
                 <a:latin typeface="-apple-system"/>
               </a:rPr>
               <a:t>Object </a:t>
-            </a:r>
-            <a:r>
-              <a:rPr lang="th-TH" sz="2800" b="0" i="0" dirty="0">
-                <a:solidFill>
-                  <a:schemeClr val="tx1"/>
-                </a:solidFill>
-                <a:effectLst/>
-                <a:latin typeface="-apple-system"/>
-              </a:rPr>
-              <a:t>ยกตัวอย่างเช่น สร้าง </a:t>
-            </a:r>
-            <a:r>
-              <a:rPr lang="en-US" sz="2800" b="0" i="0" dirty="0">
-                <a:solidFill>
-                  <a:schemeClr val="tx1"/>
-                </a:solidFill>
-                <a:effectLst/>
-                <a:latin typeface="-apple-system"/>
-              </a:rPr>
-              <a:t>Class </a:t>
-            </a:r>
-            <a:r>
-              <a:rPr lang="th-TH" sz="2800" b="0" i="0" dirty="0">
-                <a:solidFill>
-                  <a:schemeClr val="tx1"/>
-                </a:solidFill>
-                <a:effectLst/>
-                <a:latin typeface="-apple-system"/>
-              </a:rPr>
-              <a:t>ชื่อว่า </a:t>
-            </a:r>
-            <a:r>
-              <a:rPr lang="en-US" sz="2800" b="1" i="0" dirty="0">
-                <a:solidFill>
-                  <a:schemeClr val="tx1"/>
-                </a:solidFill>
-                <a:effectLst/>
-                <a:latin typeface="-apple-system"/>
-              </a:rPr>
-              <a:t>Dog (</a:t>
-            </a:r>
-            <a:r>
-              <a:rPr lang="th-TH" sz="2800" b="1" i="0" dirty="0">
-                <a:solidFill>
-                  <a:schemeClr val="tx1"/>
-                </a:solidFill>
-                <a:effectLst/>
-                <a:latin typeface="-apple-system"/>
-              </a:rPr>
-              <a:t>สุนัข)</a:t>
-            </a:r>
-            <a:r>
-              <a:rPr lang="th-TH" sz="2800" b="0" i="0" dirty="0">
-                <a:solidFill>
-                  <a:schemeClr val="tx1"/>
-                </a:solidFill>
-                <a:effectLst/>
-                <a:latin typeface="-apple-system"/>
-              </a:rPr>
-              <a:t> ก็อาจจะมี </a:t>
-            </a:r>
-            <a:r>
-              <a:rPr lang="en-US" sz="2800" b="0" i="0" dirty="0">
-                <a:solidFill>
-                  <a:schemeClr val="tx1"/>
-                </a:solidFill>
-                <a:effectLst/>
-                <a:latin typeface="-apple-system"/>
-              </a:rPr>
-              <a:t>Properties </a:t>
-            </a:r>
-            <a:r>
-              <a:rPr lang="th-TH" sz="2800" b="0" i="0" dirty="0">
-                <a:solidFill>
-                  <a:schemeClr val="tx1"/>
-                </a:solidFill>
-                <a:effectLst/>
-                <a:latin typeface="-apple-system"/>
-              </a:rPr>
-              <a:t>อย่าง </a:t>
-            </a:r>
-            <a:r>
-              <a:rPr lang="en-US" sz="2800" b="1" i="0" dirty="0">
-                <a:solidFill>
-                  <a:schemeClr val="tx1"/>
-                </a:solidFill>
-                <a:effectLst/>
-                <a:latin typeface="-apple-system"/>
-              </a:rPr>
-              <a:t>Breed (</a:t>
-            </a:r>
-            <a:r>
-              <a:rPr lang="th-TH" sz="2800" b="1" i="0" dirty="0">
-                <a:solidFill>
-                  <a:schemeClr val="tx1"/>
-                </a:solidFill>
-                <a:effectLst/>
-                <a:latin typeface="-apple-system"/>
-              </a:rPr>
-              <a:t>พันธุ์)</a:t>
-            </a:r>
-            <a:r>
-              <a:rPr lang="th-TH" sz="2800" b="0" i="0" dirty="0">
-                <a:solidFill>
-                  <a:schemeClr val="tx1"/>
-                </a:solidFill>
-                <a:effectLst/>
-                <a:latin typeface="-apple-system"/>
-              </a:rPr>
-              <a:t> , </a:t>
-            </a:r>
-            <a:r>
-              <a:rPr lang="en-US" sz="2800" b="1" i="0" dirty="0">
-                <a:solidFill>
-                  <a:schemeClr val="tx1"/>
-                </a:solidFill>
-                <a:effectLst/>
-                <a:latin typeface="-apple-system"/>
-              </a:rPr>
-              <a:t>Color (</a:t>
-            </a:r>
-            <a:r>
-              <a:rPr lang="th-TH" sz="2800" b="1" i="0" dirty="0">
-                <a:solidFill>
-                  <a:schemeClr val="tx1"/>
-                </a:solidFill>
-                <a:effectLst/>
-                <a:latin typeface="-apple-system"/>
-              </a:rPr>
-              <a:t>สี)</a:t>
-            </a:r>
-            <a:r>
-              <a:rPr lang="th-TH" sz="2800" b="0" i="0" dirty="0">
-                <a:solidFill>
-                  <a:schemeClr val="tx1"/>
-                </a:solidFill>
-                <a:effectLst/>
-                <a:latin typeface="-apple-system"/>
-              </a:rPr>
-              <a:t> และ </a:t>
-            </a:r>
-            <a:r>
-              <a:rPr lang="en-US" sz="2800" b="0" i="0" dirty="0">
-                <a:solidFill>
-                  <a:schemeClr val="tx1"/>
-                </a:solidFill>
-                <a:effectLst/>
-                <a:latin typeface="-apple-system"/>
-              </a:rPr>
-              <a:t>Method </a:t>
-            </a:r>
-            <a:r>
-              <a:rPr lang="th-TH" sz="2800" b="0" i="0" dirty="0">
-                <a:solidFill>
-                  <a:schemeClr val="tx1"/>
-                </a:solidFill>
-                <a:effectLst/>
-                <a:latin typeface="-apple-system"/>
-              </a:rPr>
-              <a:t>เป็น </a:t>
-            </a:r>
-            <a:r>
-              <a:rPr lang="en-US" sz="2800" b="1" i="0" dirty="0">
-                <a:solidFill>
-                  <a:schemeClr val="tx1"/>
-                </a:solidFill>
-                <a:effectLst/>
-                <a:latin typeface="-apple-system"/>
-              </a:rPr>
-              <a:t>Bark (</a:t>
-            </a:r>
-            <a:r>
-              <a:rPr lang="th-TH" sz="2800" b="1" i="0" dirty="0">
-                <a:solidFill>
-                  <a:schemeClr val="tx1"/>
-                </a:solidFill>
-                <a:effectLst/>
-                <a:latin typeface="-apple-system"/>
-              </a:rPr>
-              <a:t>เห่า)</a:t>
-            </a:r>
-            <a:r>
-              <a:rPr lang="th-TH" sz="2800" b="0" i="0" dirty="0">
-                <a:solidFill>
-                  <a:schemeClr val="tx1"/>
-                </a:solidFill>
-                <a:effectLst/>
-                <a:latin typeface="-apple-system"/>
-              </a:rPr>
-              <a:t> , </a:t>
-            </a:r>
-            <a:r>
-              <a:rPr lang="en-US" sz="2800" b="1" i="0" dirty="0">
-                <a:solidFill>
-                  <a:schemeClr val="tx1"/>
-                </a:solidFill>
-                <a:effectLst/>
-                <a:latin typeface="-apple-system"/>
-              </a:rPr>
-              <a:t>Run(</a:t>
-            </a:r>
-            <a:r>
-              <a:rPr lang="th-TH" sz="2800" b="1" i="0" dirty="0">
-                <a:solidFill>
-                  <a:schemeClr val="tx1"/>
-                </a:solidFill>
-                <a:effectLst/>
-                <a:latin typeface="-apple-system"/>
-              </a:rPr>
-              <a:t>วิ่ง)</a:t>
             </a:r>
             <a:endParaRPr lang="en-US" altLang="en-US" sz="2800" dirty="0">
               <a:solidFill>
@@ -3785,7 +3576,7 @@
         </p:blipFill>
         <p:spPr>
           <a:xfrm>
-            <a:off x="226913" y="1797891"/>
+            <a:off x="367645" y="1924170"/>
             <a:ext cx="4535832" cy="3009658"/>
           </a:xfrm>
           <a:prstGeom prst="rect">
@@ -3824,400 +3615,12 @@
           <a:chExt cx="0" cy="0"/>
         </a:xfrm>
       </p:grpSpPr>
-      <p:sp>
-        <p:nvSpPr>
-          <p:cNvPr id="4" name="Title 3">
-            <a:extLst>
-              <a:ext uri="{FF2B5EF4-FFF2-40B4-BE49-F238E27FC236}">
-                <a16:creationId xmlns:a16="http://schemas.microsoft.com/office/drawing/2014/main" id="{3A3BB1BB-D542-AD6E-8A27-06309DC5D053}"/>
-              </a:ext>
-            </a:extLst>
-          </p:cNvPr>
-          <p:cNvSpPr>
-            <a:spLocks noGrp="1"/>
-          </p:cNvSpPr>
-          <p:nvPr>
-            <p:ph type="title"/>
-          </p:nvPr>
-        </p:nvSpPr>
-        <p:spPr>
-          <a:xfrm>
-            <a:off x="3085094" y="436395"/>
-            <a:ext cx="5780087" cy="904875"/>
-          </a:xfrm>
-        </p:spPr>
-        <p:txBody>
-          <a:bodyPr rtlCol="0"/>
-          <a:lstStyle/>
-          <a:p>
-            <a:pPr algn="l"/>
-            <a:r>
-              <a:rPr lang="th-TH" dirty="0">
-                <a:latin typeface="-apple-system"/>
-              </a:rPr>
-              <a:t>การประกาศ</a:t>
-            </a:r>
-            <a:r>
-              <a:rPr lang="en-US" b="1" i="0" u="none" strike="noStrike" dirty="0">
-                <a:effectLst/>
-                <a:latin typeface="-apple-system"/>
-              </a:rPr>
-              <a:t> Class </a:t>
-            </a:r>
-            <a:r>
-              <a:rPr lang="th-TH" dirty="0">
-                <a:latin typeface="-apple-system"/>
-              </a:rPr>
-              <a:t>ใน</a:t>
-            </a:r>
-            <a:r>
-              <a:rPr lang="en-US" b="1" i="0" u="none" strike="noStrike" dirty="0">
-                <a:effectLst/>
-                <a:latin typeface="-apple-system"/>
-              </a:rPr>
-              <a:t> Dart</a:t>
-            </a:r>
-            <a:endParaRPr lang="en-US" b="1" i="0" dirty="0">
-              <a:effectLst/>
-              <a:latin typeface="-apple-system"/>
-            </a:endParaRPr>
-          </a:p>
-        </p:txBody>
-      </p:sp>
-      <p:sp>
-        <p:nvSpPr>
-          <p:cNvPr id="5" name="Text Placeholder 4">
-            <a:extLst>
-              <a:ext uri="{FF2B5EF4-FFF2-40B4-BE49-F238E27FC236}">
-                <a16:creationId xmlns:a16="http://schemas.microsoft.com/office/drawing/2014/main" id="{39493ED2-A974-5263-D975-FFC7522BC5C9}"/>
-              </a:ext>
-            </a:extLst>
-          </p:cNvPr>
-          <p:cNvSpPr>
-            <a:spLocks noGrp="1"/>
-          </p:cNvSpPr>
-          <p:nvPr>
-            <p:ph type="body" idx="1"/>
-          </p:nvPr>
-        </p:nvSpPr>
-        <p:spPr>
-          <a:xfrm>
-            <a:off x="761378" y="1692398"/>
-            <a:ext cx="10669243" cy="933037"/>
-          </a:xfrm>
-        </p:spPr>
-        <p:txBody>
-          <a:bodyPr rtlCol="0">
-            <a:noAutofit/>
-          </a:bodyPr>
-          <a:lstStyle/>
-          <a:p>
-            <a:pPr fontAlgn="auto">
-              <a:spcAft>
-                <a:spcPts val="0"/>
-              </a:spcAft>
-              <a:defRPr/>
-            </a:pPr>
-            <a:r>
-              <a:rPr lang="th-TH" sz="2500" b="0" i="0" dirty="0">
-                <a:solidFill>
-                  <a:schemeClr val="accent4"/>
-                </a:solidFill>
-                <a:effectLst/>
-                <a:latin typeface="-apple-system"/>
-              </a:rPr>
-              <a:t>ในภาษา </a:t>
-            </a:r>
-            <a:r>
-              <a:rPr lang="en-US" sz="2500" b="0" i="0" dirty="0">
-                <a:solidFill>
-                  <a:schemeClr val="accent4"/>
-                </a:solidFill>
-                <a:effectLst/>
-                <a:latin typeface="-apple-system"/>
-              </a:rPr>
-              <a:t>Dart </a:t>
-            </a:r>
-            <a:r>
-              <a:rPr lang="th-TH" sz="2500" b="0" i="0" dirty="0">
-                <a:solidFill>
-                  <a:schemeClr val="accent4"/>
-                </a:solidFill>
-                <a:effectLst/>
-                <a:latin typeface="-apple-system"/>
-              </a:rPr>
-              <a:t>สามารถสร้าง </a:t>
-            </a:r>
-            <a:r>
-              <a:rPr lang="en-US" sz="2500" b="0" i="0" dirty="0">
-                <a:solidFill>
-                  <a:schemeClr val="accent4"/>
-                </a:solidFill>
-                <a:effectLst/>
-                <a:latin typeface="-apple-system"/>
-              </a:rPr>
-              <a:t>Class </a:t>
-            </a:r>
-            <a:r>
-              <a:rPr lang="th-TH" sz="2500" b="0" i="0" dirty="0">
-                <a:solidFill>
-                  <a:schemeClr val="accent4"/>
-                </a:solidFill>
-                <a:effectLst/>
-                <a:latin typeface="-apple-system"/>
-              </a:rPr>
-              <a:t>ได้โดยใช้ </a:t>
-            </a:r>
-            <a:r>
-              <a:rPr lang="en-US" sz="2500" b="0" i="0" dirty="0">
-                <a:solidFill>
-                  <a:schemeClr val="accent4"/>
-                </a:solidFill>
-                <a:effectLst/>
-                <a:latin typeface="-apple-system"/>
-              </a:rPr>
-              <a:t>Keyword </a:t>
-            </a:r>
-            <a:r>
-              <a:rPr lang="th-TH" sz="2500" b="0" i="0" dirty="0">
-                <a:solidFill>
-                  <a:schemeClr val="accent4"/>
-                </a:solidFill>
-                <a:effectLst/>
-                <a:latin typeface="-apple-system"/>
-              </a:rPr>
-              <a:t>ว่า </a:t>
-            </a:r>
-            <a:r>
-              <a:rPr lang="en-US" sz="2500" b="1" i="0" dirty="0">
-                <a:solidFill>
-                  <a:schemeClr val="accent4"/>
-                </a:solidFill>
-                <a:effectLst/>
-                <a:latin typeface="-apple-system"/>
-              </a:rPr>
-              <a:t>class</a:t>
-            </a:r>
-            <a:r>
-              <a:rPr lang="en-US" sz="2500" b="0" i="0" dirty="0">
-                <a:solidFill>
-                  <a:schemeClr val="accent4"/>
-                </a:solidFill>
-                <a:effectLst/>
-                <a:latin typeface="-apple-system"/>
-              </a:rPr>
-              <a:t> </a:t>
-            </a:r>
-            <a:r>
-              <a:rPr lang="th-TH" sz="2500" b="0" i="0" dirty="0">
-                <a:solidFill>
-                  <a:schemeClr val="accent4"/>
-                </a:solidFill>
-                <a:effectLst/>
-                <a:latin typeface="-apple-system"/>
-              </a:rPr>
-              <a:t>ตามด้วย </a:t>
-            </a:r>
-            <a:r>
-              <a:rPr lang="th-TH" sz="2500" b="1" i="0" dirty="0">
-                <a:solidFill>
-                  <a:schemeClr val="accent4"/>
-                </a:solidFill>
-                <a:effectLst/>
-                <a:latin typeface="-apple-system"/>
-              </a:rPr>
-              <a:t>ชื่อคลาส</a:t>
-            </a:r>
-            <a:r>
-              <a:rPr lang="th-TH" sz="2500" b="0" i="0" dirty="0">
-                <a:solidFill>
-                  <a:schemeClr val="accent4"/>
-                </a:solidFill>
-                <a:effectLst/>
-                <a:latin typeface="-apple-system"/>
-              </a:rPr>
-              <a:t> และตามด้วย </a:t>
-            </a:r>
-            <a:r>
-              <a:rPr lang="th-TH" sz="2500" b="1" i="0" dirty="0">
-                <a:solidFill>
-                  <a:schemeClr val="accent4"/>
-                </a:solidFill>
-                <a:effectLst/>
-                <a:latin typeface="-apple-system"/>
-              </a:rPr>
-              <a:t>{ }</a:t>
-            </a:r>
-            <a:r>
-              <a:rPr lang="th-TH" sz="2500" b="0" i="0" dirty="0">
-                <a:solidFill>
-                  <a:schemeClr val="accent4"/>
-                </a:solidFill>
-                <a:effectLst/>
-                <a:latin typeface="-apple-system"/>
-              </a:rPr>
-              <a:t> โดยในการตั้งชื่อ </a:t>
-            </a:r>
-            <a:r>
-              <a:rPr lang="en-US" sz="2500" b="0" i="0" dirty="0">
-                <a:solidFill>
-                  <a:schemeClr val="accent4"/>
-                </a:solidFill>
-                <a:effectLst/>
-                <a:latin typeface="-apple-system"/>
-              </a:rPr>
-              <a:t>class </a:t>
-            </a:r>
-            <a:r>
-              <a:rPr lang="th-TH" sz="2500" b="0" i="0" dirty="0">
-                <a:solidFill>
-                  <a:schemeClr val="accent4"/>
-                </a:solidFill>
-                <a:effectLst/>
-                <a:latin typeface="-apple-system"/>
-              </a:rPr>
-              <a:t>ควรตั้งชื่อโดยใช้รูปแบบ </a:t>
-            </a:r>
-            <a:r>
-              <a:rPr lang="en-US" sz="2500" b="1" i="0" dirty="0" err="1">
-                <a:solidFill>
-                  <a:schemeClr val="accent4"/>
-                </a:solidFill>
-                <a:effectLst/>
-                <a:latin typeface="-apple-system"/>
-              </a:rPr>
-              <a:t>PascalCase</a:t>
-            </a:r>
-            <a:r>
-              <a:rPr lang="en-US" sz="2500" b="0" i="0" dirty="0">
-                <a:solidFill>
-                  <a:schemeClr val="accent4"/>
-                </a:solidFill>
-                <a:effectLst/>
-                <a:latin typeface="-apple-system"/>
-              </a:rPr>
-              <a:t> </a:t>
-            </a:r>
-            <a:r>
-              <a:rPr lang="th-TH" sz="2500" b="0" i="0" dirty="0">
-                <a:solidFill>
-                  <a:schemeClr val="accent4"/>
-                </a:solidFill>
-                <a:effectLst/>
-                <a:latin typeface="-apple-system"/>
-              </a:rPr>
-              <a:t>อย่างเช่น </a:t>
-            </a:r>
-            <a:r>
-              <a:rPr lang="en-US" sz="2500" b="1" i="0" dirty="0">
-                <a:solidFill>
-                  <a:schemeClr val="accent4"/>
-                </a:solidFill>
-                <a:effectLst/>
-                <a:latin typeface="-apple-system"/>
-              </a:rPr>
-              <a:t>Employee</a:t>
-            </a:r>
-            <a:r>
-              <a:rPr lang="en-US" sz="2500" b="0" i="0" dirty="0">
-                <a:solidFill>
-                  <a:schemeClr val="accent4"/>
-                </a:solidFill>
-                <a:effectLst/>
-                <a:latin typeface="-apple-system"/>
-              </a:rPr>
-              <a:t>, </a:t>
-            </a:r>
-            <a:r>
-              <a:rPr lang="en-US" sz="2500" b="1" i="0" dirty="0">
-                <a:solidFill>
-                  <a:schemeClr val="accent4"/>
-                </a:solidFill>
-                <a:effectLst/>
-                <a:latin typeface="-apple-system"/>
-              </a:rPr>
-              <a:t>Student</a:t>
-            </a:r>
-            <a:r>
-              <a:rPr lang="en-US" sz="2500" b="0" i="0" dirty="0">
-                <a:solidFill>
-                  <a:schemeClr val="accent4"/>
-                </a:solidFill>
-                <a:effectLst/>
-                <a:latin typeface="-apple-system"/>
-              </a:rPr>
-              <a:t>, </a:t>
-            </a:r>
-            <a:r>
-              <a:rPr lang="en-US" sz="2500" b="1" i="0" dirty="0" err="1">
-                <a:solidFill>
-                  <a:schemeClr val="accent4"/>
-                </a:solidFill>
-                <a:effectLst/>
-                <a:latin typeface="-apple-system"/>
-              </a:rPr>
-              <a:t>QuizBrain</a:t>
-            </a:r>
-            <a:endParaRPr lang="th-TH" sz="2500" dirty="0">
-              <a:solidFill>
-                <a:schemeClr val="accent4"/>
-              </a:solidFill>
-            </a:endParaRPr>
-          </a:p>
-        </p:txBody>
-      </p:sp>
-      <p:sp>
-        <p:nvSpPr>
-          <p:cNvPr id="2" name="TextBox 1">
-            <a:extLst>
-              <a:ext uri="{FF2B5EF4-FFF2-40B4-BE49-F238E27FC236}">
-                <a16:creationId xmlns:a16="http://schemas.microsoft.com/office/drawing/2014/main" id="{8045865D-7DF0-3D92-90F7-E321E9D4E01E}"/>
-              </a:ext>
-            </a:extLst>
-          </p:cNvPr>
-          <p:cNvSpPr txBox="1"/>
-          <p:nvPr/>
-        </p:nvSpPr>
-        <p:spPr>
-          <a:xfrm>
-            <a:off x="4645969" y="2891673"/>
-            <a:ext cx="2286000" cy="830997"/>
-          </a:xfrm>
-          <a:prstGeom prst="rect">
-            <a:avLst/>
-          </a:prstGeom>
-          <a:noFill/>
-        </p:spPr>
-        <p:txBody>
-          <a:bodyPr wrap="square" rtlCol="0">
-            <a:spAutoFit/>
-          </a:bodyPr>
-          <a:lstStyle/>
-          <a:p>
-            <a:r>
-              <a:rPr lang="en-US" sz="4800" b="1" i="0" dirty="0">
-                <a:solidFill>
-                  <a:schemeClr val="accent4"/>
-                </a:solidFill>
-                <a:effectLst/>
-                <a:latin typeface="-apple-system"/>
-              </a:rPr>
-              <a:t>Syntax</a:t>
-            </a:r>
-            <a:endParaRPr lang="en-US" sz="4800" dirty="0">
-              <a:solidFill>
-                <a:schemeClr val="accent4"/>
-              </a:solidFill>
-            </a:endParaRPr>
-          </a:p>
-        </p:txBody>
-      </p:sp>
       <p:pic>
         <p:nvPicPr>
-          <p:cNvPr id="8" name="Picture 7" descr="A computer screen shot of a computer code&#10;&#10;Description automatically generated">
+          <p:cNvPr id="5" name="Picture 4" descr="A diagram of dogs and objects&#10;&#10;Description automatically generated">
             <a:extLst>
               <a:ext uri="{FF2B5EF4-FFF2-40B4-BE49-F238E27FC236}">
-                <a16:creationId xmlns:a16="http://schemas.microsoft.com/office/drawing/2014/main" id="{41C75BA7-36A9-4E2E-2A2B-FF7B0664102B}"/>
+                <a16:creationId xmlns:a16="http://schemas.microsoft.com/office/drawing/2014/main" id="{5B2A4799-7227-EEAB-55EA-A6409ED6151E}"/>
               </a:ext>
             </a:extLst>
           </p:cNvPr>
@@ -4240,8 +3643,8 @@
         </p:blipFill>
         <p:spPr>
           <a:xfrm>
-            <a:off x="3749569" y="3988908"/>
-            <a:ext cx="3681253" cy="1866074"/>
+            <a:off x="2326997" y="935082"/>
+            <a:ext cx="7538006" cy="3431667"/>
           </a:xfrm>
           <a:prstGeom prst="rect">
             <a:avLst/>
@@ -4254,7 +3657,207 @@
           </a:effectLst>
         </p:spPr>
       </p:pic>
+      <p:sp>
+        <p:nvSpPr>
+          <p:cNvPr id="7" name="TextBox 6">
+            <a:extLst>
+              <a:ext uri="{FF2B5EF4-FFF2-40B4-BE49-F238E27FC236}">
+                <a16:creationId xmlns:a16="http://schemas.microsoft.com/office/drawing/2014/main" id="{53E47574-5EB8-23BF-AACF-44B4D14E5DD1}"/>
+              </a:ext>
+            </a:extLst>
+          </p:cNvPr>
+          <p:cNvSpPr txBox="1"/>
+          <p:nvPr/>
+        </p:nvSpPr>
+        <p:spPr>
+          <a:xfrm>
+            <a:off x="1633170" y="4697278"/>
+            <a:ext cx="9707276" cy="954107"/>
+          </a:xfrm>
+          <a:prstGeom prst="rect">
+            <a:avLst/>
+          </a:prstGeom>
+          <a:noFill/>
+        </p:spPr>
+        <p:txBody>
+          <a:bodyPr wrap="square">
+            <a:spAutoFit/>
+          </a:bodyPr>
+          <a:lstStyle/>
+          <a:p>
+            <a:r>
+              <a:rPr lang="th-TH" sz="2800" b="0" i="0" dirty="0">
+                <a:solidFill>
+                  <a:schemeClr val="accent4"/>
+                </a:solidFill>
+                <a:effectLst/>
+                <a:latin typeface="-apple-system"/>
+              </a:rPr>
+              <a:t>ยกตัวอย่าง</a:t>
+            </a:r>
+            <a:r>
+              <a:rPr lang="en-US" sz="2800" b="0" i="0" dirty="0">
+                <a:solidFill>
+                  <a:schemeClr val="accent4"/>
+                </a:solidFill>
+                <a:effectLst/>
+                <a:latin typeface="-apple-system"/>
+              </a:rPr>
+              <a:t> </a:t>
+            </a:r>
+            <a:r>
+              <a:rPr lang="th-TH" sz="2800" b="0" i="0" dirty="0">
+                <a:solidFill>
+                  <a:schemeClr val="accent4"/>
+                </a:solidFill>
+                <a:effectLst/>
+                <a:latin typeface="-apple-system"/>
+              </a:rPr>
+              <a:t>เช่น </a:t>
+            </a:r>
+            <a:r>
+              <a:rPr lang="en-US" sz="2800" b="0" i="0" dirty="0">
+                <a:solidFill>
+                  <a:schemeClr val="accent4"/>
+                </a:solidFill>
+                <a:effectLst/>
+                <a:latin typeface="-apple-system"/>
+              </a:rPr>
+              <a:t>Class </a:t>
+            </a:r>
+            <a:r>
+              <a:rPr lang="th-TH" sz="2800" b="0" i="0" dirty="0">
+                <a:solidFill>
+                  <a:schemeClr val="accent4"/>
+                </a:solidFill>
+                <a:effectLst/>
+                <a:latin typeface="-apple-system"/>
+              </a:rPr>
+              <a:t>ชื่อว่า </a:t>
+            </a:r>
+            <a:r>
+              <a:rPr lang="en-US" sz="2800" b="1" i="0" dirty="0">
+                <a:solidFill>
+                  <a:schemeClr val="accent4"/>
+                </a:solidFill>
+                <a:effectLst/>
+                <a:latin typeface="-apple-system"/>
+              </a:rPr>
+              <a:t>Dog </a:t>
+            </a:r>
+            <a:r>
+              <a:rPr lang="th-TH" sz="2800" b="0" i="0" dirty="0">
+                <a:solidFill>
+                  <a:schemeClr val="accent4"/>
+                </a:solidFill>
+                <a:effectLst/>
+                <a:latin typeface="-apple-system"/>
+              </a:rPr>
+              <a:t>ก็อาจจะมี </a:t>
+            </a:r>
+            <a:r>
+              <a:rPr lang="en-US" sz="2800" b="0" i="0" dirty="0">
+                <a:solidFill>
+                  <a:schemeClr val="accent4"/>
+                </a:solidFill>
+                <a:effectLst/>
+                <a:latin typeface="-apple-system"/>
+              </a:rPr>
+              <a:t>Properties </a:t>
+            </a:r>
+            <a:r>
+              <a:rPr lang="th-TH" sz="2800" b="0" i="0" dirty="0">
+                <a:solidFill>
+                  <a:schemeClr val="accent4"/>
+                </a:solidFill>
+                <a:effectLst/>
+                <a:latin typeface="-apple-system"/>
+              </a:rPr>
+              <a:t>อย่าง </a:t>
+            </a:r>
+            <a:r>
+              <a:rPr lang="en-US" sz="2800" b="1" i="0" dirty="0">
+                <a:solidFill>
+                  <a:schemeClr val="accent4"/>
+                </a:solidFill>
+                <a:effectLst/>
+                <a:latin typeface="-apple-system"/>
+              </a:rPr>
+              <a:t>Breed ,Age </a:t>
+            </a:r>
+            <a:r>
+              <a:rPr lang="th-TH" sz="2800" b="0" i="0" dirty="0">
+                <a:solidFill>
+                  <a:schemeClr val="accent4"/>
+                </a:solidFill>
+                <a:effectLst/>
+                <a:latin typeface="-apple-system"/>
+              </a:rPr>
+              <a:t>และ </a:t>
+            </a:r>
+            <a:r>
+              <a:rPr lang="en-US" sz="2800" b="0" i="0" dirty="0">
+                <a:solidFill>
+                  <a:schemeClr val="accent4"/>
+                </a:solidFill>
+                <a:effectLst/>
+                <a:latin typeface="-apple-system"/>
+              </a:rPr>
+              <a:t>Method </a:t>
+            </a:r>
+            <a:r>
+              <a:rPr lang="th-TH" sz="2800" b="0" i="0" dirty="0">
+                <a:solidFill>
+                  <a:schemeClr val="accent4"/>
+                </a:solidFill>
+                <a:effectLst/>
+                <a:latin typeface="-apple-system"/>
+              </a:rPr>
+              <a:t>เป็น </a:t>
+            </a:r>
+            <a:r>
+              <a:rPr lang="en-US" sz="2800" b="1" i="0" dirty="0">
+                <a:solidFill>
+                  <a:schemeClr val="accent4"/>
+                </a:solidFill>
+                <a:effectLst/>
+                <a:latin typeface="-apple-system"/>
+              </a:rPr>
+              <a:t>Eat </a:t>
+            </a:r>
+            <a:r>
+              <a:rPr lang="en-US" dirty="0">
+                <a:solidFill>
+                  <a:schemeClr val="accent4"/>
+                </a:solidFill>
+                <a:latin typeface="-apple-system"/>
+              </a:rPr>
+              <a:t>,</a:t>
+            </a:r>
+            <a:r>
+              <a:rPr lang="en-US" sz="2800" b="1" i="0" dirty="0">
+                <a:solidFill>
+                  <a:schemeClr val="accent4"/>
+                </a:solidFill>
+                <a:effectLst/>
+                <a:latin typeface="-apple-system"/>
+              </a:rPr>
+              <a:t>Sleep</a:t>
+            </a:r>
+            <a:endParaRPr lang="en-US" dirty="0">
+              <a:solidFill>
+                <a:schemeClr val="accent4"/>
+              </a:solidFill>
+            </a:endParaRPr>
+          </a:p>
+        </p:txBody>
+      </p:sp>
     </p:spTree>
+    <p:extLst>
+      <p:ext uri="{BB962C8B-B14F-4D97-AF65-F5344CB8AC3E}">
+        <p14:creationId xmlns:p14="http://schemas.microsoft.com/office/powerpoint/2010/main" val="4016310118"/>
+      </p:ext>
+    </p:extLst>
   </p:cSld>
   <p:clrMapOvr>
     <a:masterClrMapping/>
@@ -4281,10 +3884,10 @@
       </p:grpSpPr>
       <p:sp>
         <p:nvSpPr>
-          <p:cNvPr id="16" name="Title 15">
+          <p:cNvPr id="4" name="Title 3">
             <a:extLst>
               <a:ext uri="{FF2B5EF4-FFF2-40B4-BE49-F238E27FC236}">
-                <a16:creationId xmlns:a16="http://schemas.microsoft.com/office/drawing/2014/main" id="{9B57399E-458E-AAC2-94AE-1BE05D9124EE}"/>
+                <a16:creationId xmlns:a16="http://schemas.microsoft.com/office/drawing/2014/main" id="{3A3BB1BB-D542-AD6E-8A27-06309DC5D053}"/>
               </a:ext>
             </a:extLst>
           </p:cNvPr>
@@ -4297,39 +3900,323 @@
         </p:nvSpPr>
         <p:spPr>
           <a:xfrm>
-            <a:off x="1127125" y="557462"/>
-            <a:ext cx="1872790" cy="990600"/>
+            <a:off x="3085094" y="436395"/>
+            <a:ext cx="5780087" cy="904875"/>
           </a:xfrm>
         </p:spPr>
         <p:txBody>
-          <a:bodyPr/>
+          <a:bodyPr rtlCol="0"/>
           <a:lstStyle/>
           <a:p>
+            <a:pPr algn="l"/>
             <a:r>
               <a:rPr lang="th-TH" dirty="0">
-                <a:solidFill>
-                  <a:schemeClr val="accent4"/>
-                </a:solidFill>
-              </a:rPr>
-              <a:t>ตัวอย่าง</a:t>
-            </a:r>
-            <a:r>
-              <a:rPr lang="en-US" dirty="0">
-                <a:solidFill>
-                  <a:schemeClr val="accent4"/>
-                </a:solidFill>
-              </a:rPr>
-              <a:t> 1</a:t>
+                <a:latin typeface="-apple-system"/>
+              </a:rPr>
+              <a:t>การประกาศ</a:t>
+            </a:r>
+            <a:r>
+              <a:rPr lang="en-US" b="1" i="0" u="none" strike="noStrike" dirty="0">
+                <a:effectLst/>
+                <a:latin typeface="-apple-system"/>
+              </a:rPr>
+              <a:t> Class </a:t>
             </a:r>
             <a:r>
               <a:rPr lang="th-TH" dirty="0">
-                <a:solidFill>
-                  <a:schemeClr val="accent4"/>
-                </a:solidFill>
-              </a:rPr>
-              <a:t> </a:t>
-            </a:r>
-            <a:endParaRPr lang="en-US" dirty="0">
+                <a:latin typeface="-apple-system"/>
+              </a:rPr>
+              <a:t>ใน</a:t>
+            </a:r>
+            <a:r>
+              <a:rPr lang="en-US" b="1" i="0" u="none" strike="noStrike" dirty="0">
+                <a:effectLst/>
+                <a:latin typeface="-apple-system"/>
+              </a:rPr>
+              <a:t> Dart</a:t>
+            </a:r>
+            <a:endParaRPr lang="en-US" b="1" i="0" dirty="0">
+              <a:effectLst/>
+              <a:latin typeface="-apple-system"/>
+            </a:endParaRPr>
+          </a:p>
+        </p:txBody>
+      </p:sp>
+      <p:sp>
+        <p:nvSpPr>
+          <p:cNvPr id="5" name="Text Placeholder 4">
+            <a:extLst>
+              <a:ext uri="{FF2B5EF4-FFF2-40B4-BE49-F238E27FC236}">
+                <a16:creationId xmlns:a16="http://schemas.microsoft.com/office/drawing/2014/main" id="{39493ED2-A974-5263-D975-FFC7522BC5C9}"/>
+              </a:ext>
+            </a:extLst>
+          </p:cNvPr>
+          <p:cNvSpPr>
+            <a:spLocks noGrp="1"/>
+          </p:cNvSpPr>
+          <p:nvPr>
+            <p:ph type="body" idx="1"/>
+          </p:nvPr>
+        </p:nvSpPr>
+        <p:spPr>
+          <a:xfrm>
+            <a:off x="761378" y="1692398"/>
+            <a:ext cx="10669243" cy="933037"/>
+          </a:xfrm>
+        </p:spPr>
+        <p:txBody>
+          <a:bodyPr rtlCol="0">
+            <a:noAutofit/>
+          </a:bodyPr>
+          <a:lstStyle/>
+          <a:p>
+            <a:pPr fontAlgn="auto">
+              <a:spcAft>
+                <a:spcPts val="0"/>
+              </a:spcAft>
+              <a:defRPr/>
+            </a:pPr>
+            <a:r>
+              <a:rPr lang="th-TH" sz="2500" b="0" i="0" dirty="0">
+                <a:solidFill>
+                  <a:schemeClr val="accent4"/>
+                </a:solidFill>
+                <a:effectLst/>
+                <a:latin typeface="-apple-system"/>
+              </a:rPr>
+              <a:t>ในภาษา </a:t>
+            </a:r>
+            <a:r>
+              <a:rPr lang="en-US" sz="2500" b="0" i="0" dirty="0">
+                <a:solidFill>
+                  <a:schemeClr val="accent4"/>
+                </a:solidFill>
+                <a:effectLst/>
+                <a:latin typeface="-apple-system"/>
+              </a:rPr>
+              <a:t>Dart </a:t>
+            </a:r>
+            <a:r>
+              <a:rPr lang="th-TH" sz="2500" b="0" i="0" dirty="0">
+                <a:solidFill>
+                  <a:schemeClr val="accent4"/>
+                </a:solidFill>
+                <a:effectLst/>
+                <a:latin typeface="-apple-system"/>
+              </a:rPr>
+              <a:t>สามารถสร้าง </a:t>
+            </a:r>
+            <a:r>
+              <a:rPr lang="en-US" sz="2500" b="0" i="0" dirty="0">
+                <a:solidFill>
+                  <a:schemeClr val="accent4"/>
+                </a:solidFill>
+                <a:effectLst/>
+                <a:latin typeface="-apple-system"/>
+              </a:rPr>
+              <a:t>Class </a:t>
+            </a:r>
+            <a:r>
+              <a:rPr lang="th-TH" sz="2500" b="0" i="0" dirty="0">
+                <a:solidFill>
+                  <a:schemeClr val="accent4"/>
+                </a:solidFill>
+                <a:effectLst/>
+                <a:latin typeface="-apple-system"/>
+              </a:rPr>
+              <a:t>ได้โดยใช้ </a:t>
+            </a:r>
+            <a:r>
+              <a:rPr lang="en-US" sz="2500" b="0" i="0" dirty="0">
+                <a:solidFill>
+                  <a:schemeClr val="accent4"/>
+                </a:solidFill>
+                <a:effectLst/>
+                <a:latin typeface="-apple-system"/>
+              </a:rPr>
+              <a:t>Keyword </a:t>
+            </a:r>
+            <a:r>
+              <a:rPr lang="th-TH" sz="2500" b="0" i="0" dirty="0">
+                <a:solidFill>
+                  <a:schemeClr val="accent4"/>
+                </a:solidFill>
+                <a:effectLst/>
+                <a:latin typeface="-apple-system"/>
+              </a:rPr>
+              <a:t>ว่า </a:t>
+            </a:r>
+            <a:r>
+              <a:rPr lang="en-US" sz="2500" b="1" i="0" dirty="0">
+                <a:solidFill>
+                  <a:schemeClr val="accent4"/>
+                </a:solidFill>
+                <a:effectLst/>
+                <a:latin typeface="-apple-system"/>
+              </a:rPr>
+              <a:t>class</a:t>
+            </a:r>
+            <a:r>
+              <a:rPr lang="en-US" sz="2500" b="0" i="0" dirty="0">
+                <a:solidFill>
+                  <a:schemeClr val="accent4"/>
+                </a:solidFill>
+                <a:effectLst/>
+                <a:latin typeface="-apple-system"/>
+              </a:rPr>
+              <a:t> </a:t>
+            </a:r>
+            <a:r>
+              <a:rPr lang="th-TH" sz="2500" b="0" i="0" dirty="0">
+                <a:solidFill>
+                  <a:schemeClr val="accent4"/>
+                </a:solidFill>
+                <a:effectLst/>
+                <a:latin typeface="-apple-system"/>
+              </a:rPr>
+              <a:t>ตามด้วย </a:t>
+            </a:r>
+            <a:r>
+              <a:rPr lang="th-TH" sz="2500" b="1" i="0" dirty="0">
+                <a:solidFill>
+                  <a:schemeClr val="accent4"/>
+                </a:solidFill>
+                <a:effectLst/>
+                <a:latin typeface="-apple-system"/>
+              </a:rPr>
+              <a:t>ชื่อคลาส</a:t>
+            </a:r>
+            <a:r>
+              <a:rPr lang="th-TH" sz="2500" b="0" i="0" dirty="0">
+                <a:solidFill>
+                  <a:schemeClr val="accent4"/>
+                </a:solidFill>
+                <a:effectLst/>
+                <a:latin typeface="-apple-system"/>
+              </a:rPr>
+              <a:t> และตามด้วย </a:t>
+            </a:r>
+            <a:r>
+              <a:rPr lang="th-TH" sz="2500" b="1" i="0" dirty="0">
+                <a:solidFill>
+                  <a:schemeClr val="accent4"/>
+                </a:solidFill>
+                <a:effectLst/>
+                <a:latin typeface="-apple-system"/>
+              </a:rPr>
+              <a:t>{ }</a:t>
+            </a:r>
+            <a:r>
+              <a:rPr lang="th-TH" sz="2500" b="0" i="0" dirty="0">
+                <a:solidFill>
+                  <a:schemeClr val="accent4"/>
+                </a:solidFill>
+                <a:effectLst/>
+                <a:latin typeface="-apple-system"/>
+              </a:rPr>
+              <a:t> โดยในการตั้งชื่อ </a:t>
+            </a:r>
+            <a:r>
+              <a:rPr lang="en-US" sz="2500" b="0" i="0" dirty="0">
+                <a:solidFill>
+                  <a:schemeClr val="accent4"/>
+                </a:solidFill>
+                <a:effectLst/>
+                <a:latin typeface="-apple-system"/>
+              </a:rPr>
+              <a:t>class </a:t>
+            </a:r>
+            <a:r>
+              <a:rPr lang="th-TH" sz="2500" b="0" i="0" dirty="0">
+                <a:solidFill>
+                  <a:schemeClr val="accent4"/>
+                </a:solidFill>
+                <a:effectLst/>
+                <a:latin typeface="-apple-system"/>
+              </a:rPr>
+              <a:t>ควรตั้งชื่อโดยใช้รูปแบบ </a:t>
+            </a:r>
+            <a:r>
+              <a:rPr lang="en-US" sz="2500" b="1" i="0" dirty="0" err="1">
+                <a:solidFill>
+                  <a:schemeClr val="accent4"/>
+                </a:solidFill>
+                <a:effectLst/>
+                <a:latin typeface="-apple-system"/>
+              </a:rPr>
+              <a:t>PascalCase</a:t>
+            </a:r>
+            <a:r>
+              <a:rPr lang="en-US" sz="2500" b="0" i="0" dirty="0">
+                <a:solidFill>
+                  <a:schemeClr val="accent4"/>
+                </a:solidFill>
+                <a:effectLst/>
+                <a:latin typeface="-apple-system"/>
+              </a:rPr>
+              <a:t> </a:t>
+            </a:r>
+            <a:r>
+              <a:rPr lang="th-TH" sz="2500" b="0" i="0" dirty="0">
+                <a:solidFill>
+                  <a:schemeClr val="accent4"/>
+                </a:solidFill>
+                <a:effectLst/>
+                <a:latin typeface="-apple-system"/>
+              </a:rPr>
+              <a:t>อย่างเช่น </a:t>
+            </a:r>
+            <a:r>
+              <a:rPr lang="en-US" sz="2500" b="1" i="0" dirty="0">
+                <a:solidFill>
+                  <a:schemeClr val="accent4"/>
+                </a:solidFill>
+                <a:effectLst/>
+                <a:latin typeface="-apple-system"/>
+              </a:rPr>
+              <a:t>Employee</a:t>
+            </a:r>
+            <a:r>
+              <a:rPr lang="en-US" sz="2500" b="0" i="0" dirty="0">
+                <a:solidFill>
+                  <a:schemeClr val="accent4"/>
+                </a:solidFill>
+                <a:effectLst/>
+                <a:latin typeface="-apple-system"/>
+              </a:rPr>
+              <a:t>, </a:t>
+            </a:r>
+            <a:r>
+              <a:rPr lang="en-US" sz="2500" b="1" i="0" dirty="0">
+                <a:solidFill>
+                  <a:schemeClr val="accent4"/>
+                </a:solidFill>
+                <a:effectLst/>
+                <a:latin typeface="-apple-system"/>
+              </a:rPr>
+              <a:t>Student</a:t>
+            </a:r>
+            <a:r>
+              <a:rPr lang="en-US" sz="2500" b="0" i="0" dirty="0">
+                <a:solidFill>
+                  <a:schemeClr val="accent4"/>
+                </a:solidFill>
+                <a:effectLst/>
+                <a:latin typeface="-apple-system"/>
+              </a:rPr>
+              <a:t>, </a:t>
+            </a:r>
+            <a:r>
+              <a:rPr lang="en-US" sz="2500" b="1" i="0" dirty="0" err="1">
+                <a:solidFill>
+                  <a:schemeClr val="accent4"/>
+                </a:solidFill>
+                <a:effectLst/>
+                <a:latin typeface="-apple-system"/>
+              </a:rPr>
+              <a:t>QuizBrain</a:t>
+            </a:r>
+            <a:endParaRPr lang="th-TH" sz="2500" dirty="0">
               <a:solidFill>
                 <a:schemeClr val="accent4"/>
               </a:solidFill>
@@ -4337,12 +4224,58 @@
           </a:p>
         </p:txBody>
       </p:sp>
+      <p:sp>
+        <p:nvSpPr>
+          <p:cNvPr id="2" name="TextBox 1">
+            <a:extLst>
+              <a:ext uri="{FF2B5EF4-FFF2-40B4-BE49-F238E27FC236}">
+                <a16:creationId xmlns:a16="http://schemas.microsoft.com/office/drawing/2014/main" id="{8045865D-7DF0-3D92-90F7-E321E9D4E01E}"/>
+              </a:ext>
+            </a:extLst>
+          </p:cNvPr>
+          <p:cNvSpPr txBox="1"/>
+          <p:nvPr/>
+        </p:nvSpPr>
+        <p:spPr>
+          <a:xfrm>
+            <a:off x="4645969" y="2891673"/>
+            <a:ext cx="2286000" cy="830997"/>
+          </a:xfrm>
+          <a:prstGeom prst="rect">
+            <a:avLst/>
+          </a:prstGeom>
+          <a:noFill/>
+        </p:spPr>
+        <p:txBody>
+          <a:bodyPr wrap="square" rtlCol="0">
+            <a:spAutoFit/>
+          </a:bodyPr>
+          <a:lstStyle/>
+          <a:p>
+            <a:r>
+              <a:rPr lang="en-US" sz="4800" b="1" i="0" dirty="0">
+                <a:solidFill>
+                  <a:schemeClr val="accent4"/>
+                </a:solidFill>
+                <a:effectLst/>
+                <a:latin typeface="-apple-system"/>
+              </a:rPr>
+              <a:t>Syntax</a:t>
+            </a:r>
+            <a:endParaRPr lang="en-US" sz="4800" dirty="0">
+              <a:solidFill>
+                <a:schemeClr val="accent4"/>
+              </a:solidFill>
+            </a:endParaRPr>
+          </a:p>
+        </p:txBody>
+      </p:sp>
       <p:pic>
         <p:nvPicPr>
-          <p:cNvPr id="3" name="Picture 2" descr="A computer code with text&#10;&#10;Description automatically generated">
+          <p:cNvPr id="8" name="Picture 7" descr="A computer screen shot of a computer code&#10;&#10;Description automatically generated">
             <a:extLst>
               <a:ext uri="{FF2B5EF4-FFF2-40B4-BE49-F238E27FC236}">
-                <a16:creationId xmlns:a16="http://schemas.microsoft.com/office/drawing/2014/main" id="{7C7D069C-61F4-3D1B-CCDC-60F22C879E1D}"/>
+                <a16:creationId xmlns:a16="http://schemas.microsoft.com/office/drawing/2014/main" id="{41C75BA7-36A9-4E2E-2A2B-FF7B0664102B}"/>
               </a:ext>
             </a:extLst>
           </p:cNvPr>
@@ -4365,102 +4298,8 @@
         </p:blipFill>
         <p:spPr>
           <a:xfrm>
-            <a:off x="592278" y="1678842"/>
-            <a:ext cx="4658452" cy="3100548"/>
-          </a:xfrm>
-          <a:prstGeom prst="rect">
-            <a:avLst/>
-          </a:prstGeom>
-          <a:ln>
-            <a:noFill/>
-          </a:ln>
-          <a:effectLst>
-            <a:softEdge rad="112500"/>
-          </a:effectLst>
-        </p:spPr>
-      </p:pic>
-      <p:sp>
-        <p:nvSpPr>
-          <p:cNvPr id="5" name="TextBox 4">
-            <a:extLst>
-              <a:ext uri="{FF2B5EF4-FFF2-40B4-BE49-F238E27FC236}">
-                <a16:creationId xmlns:a16="http://schemas.microsoft.com/office/drawing/2014/main" id="{865B6994-8E2D-077D-1EAB-8D7A1883B54D}"/>
-              </a:ext>
-            </a:extLst>
-          </p:cNvPr>
-          <p:cNvSpPr txBox="1"/>
-          <p:nvPr/>
-        </p:nvSpPr>
-        <p:spPr>
-          <a:xfrm>
-            <a:off x="7337199" y="729596"/>
-            <a:ext cx="1957630" cy="646331"/>
-          </a:xfrm>
-          <a:prstGeom prst="rect">
-            <a:avLst/>
-          </a:prstGeom>
-          <a:noFill/>
-        </p:spPr>
-        <p:txBody>
-          <a:bodyPr wrap="square">
-            <a:spAutoFit/>
-          </a:bodyPr>
-          <a:lstStyle/>
-          <a:p>
-            <a:r>
-              <a:rPr lang="th-TH" sz="3600" b="1" dirty="0">
-                <a:solidFill>
-                  <a:schemeClr val="accent4"/>
-                </a:solidFill>
-                <a:cs typeface="TH Sarabun New" panose="020B0500040200020003"/>
-              </a:rPr>
-              <a:t>ตัวอย่าง</a:t>
-            </a:r>
-            <a:r>
-              <a:rPr lang="en-US" sz="3600" b="1" dirty="0">
-                <a:solidFill>
-                  <a:schemeClr val="accent4"/>
-                </a:solidFill>
-                <a:cs typeface="TH Sarabun New" panose="020B0500040200020003"/>
-              </a:rPr>
-              <a:t> 2</a:t>
-            </a:r>
-            <a:endParaRPr lang="en-US" sz="3600" b="1" dirty="0">
-              <a:cs typeface="TH Sarabun New" panose="020B0500040200020003"/>
-            </a:endParaRPr>
-          </a:p>
-        </p:txBody>
-      </p:sp>
-      <p:pic>
-        <p:nvPicPr>
-          <p:cNvPr id="7" name="Picture 6" descr="A screen shot of a computer code&#10;&#10;Description automatically generated">
-            <a:extLst>
-              <a:ext uri="{FF2B5EF4-FFF2-40B4-BE49-F238E27FC236}">
-                <a16:creationId xmlns:a16="http://schemas.microsoft.com/office/drawing/2014/main" id="{3DE876F3-9892-02F7-80EC-D6FA749F87E9}"/>
-              </a:ext>
-            </a:extLst>
-          </p:cNvPr>
-          <p:cNvPicPr>
-            <a:picLocks noChangeAspect="1"/>
-          </p:cNvPicPr>
-          <p:nvPr/>
-        </p:nvPicPr>
-        <p:blipFill>
-          <a:blip r:embed="rId3">
-            <a:extLst>
-              <a:ext uri="{28A0092B-C50C-407E-A947-70E740481C1C}">
-                <a14:useLocalDpi xmlns:a14="http://schemas.microsoft.com/office/drawing/2010/main" val="0"/>
-              </a:ext>
-            </a:extLst>
-          </a:blip>
-          <a:stretch>
-            <a:fillRect/>
-          </a:stretch>
-        </p:blipFill>
-        <p:spPr>
-          <a:xfrm>
-            <a:off x="6479468" y="1678842"/>
-            <a:ext cx="3992920" cy="3100548"/>
+            <a:off x="3749569" y="3988908"/>
+            <a:ext cx="3681253" cy="1866074"/>
           </a:xfrm>
           <a:prstGeom prst="rect">
             <a:avLst/>
@@ -4500,15 +4339,15 @@
       </p:grpSpPr>
       <p:sp>
         <p:nvSpPr>
-          <p:cNvPr id="24" name="Title 1">
+          <p:cNvPr id="4" name="Title 15">
             <a:extLst>
               <a:ext uri="{FF2B5EF4-FFF2-40B4-BE49-F238E27FC236}">
-                <a16:creationId xmlns:a16="http://schemas.microsoft.com/office/drawing/2014/main" id="{85A67742-A771-094F-47C0-8D274D5B85DD}"/>
+                <a16:creationId xmlns:a16="http://schemas.microsoft.com/office/drawing/2014/main" id="{3741E040-107F-958B-A5D8-E104937B22E3}"/>
               </a:ext>
             </a:extLst>
           </p:cNvPr>
           <p:cNvSpPr>
-            <a:spLocks noGrp="1" noChangeArrowheads="1"/>
+            <a:spLocks noGrp="1"/>
           </p:cNvSpPr>
           <p:nvPr>
             <p:ph type="title"/>
@@ -4516,73 +4355,36 @@
         </p:nvSpPr>
         <p:spPr>
           <a:xfrm>
-            <a:off x="286264" y="681066"/>
-            <a:ext cx="8405249" cy="1087437"/>
+            <a:off x="4907274" y="305480"/>
+            <a:ext cx="1872790" cy="990600"/>
           </a:xfrm>
         </p:spPr>
         <p:txBody>
-          <a:bodyPr>
-            <a:noAutofit/>
-          </a:bodyPr>
+          <a:bodyPr/>
           <a:lstStyle/>
           <a:p>
             <a:r>
-              <a:rPr lang="th-TH" sz="6000" dirty="0">
-                <a:solidFill>
-                  <a:schemeClr val="accent4"/>
-                </a:solidFill>
-              </a:rPr>
-              <a:t>ความแตกต่างระหว่าง</a:t>
-            </a:r>
-            <a:r>
-              <a:rPr lang="en-US" sz="6000" dirty="0">
-                <a:solidFill>
-                  <a:schemeClr val="accent4"/>
-                </a:solidFill>
-              </a:rPr>
-              <a:t> Dart </a:t>
-            </a:r>
-            <a:r>
-              <a:rPr lang="th-TH" sz="6000" dirty="0">
-                <a:solidFill>
-                  <a:schemeClr val="accent4"/>
-                </a:solidFill>
-              </a:rPr>
-              <a:t>กับ </a:t>
-            </a:r>
-            <a:r>
-              <a:rPr lang="en-US" sz="6000" dirty="0">
-                <a:solidFill>
-                  <a:schemeClr val="accent4"/>
-                </a:solidFill>
-              </a:rPr>
-              <a:t>Java </a:t>
-            </a:r>
-            <a:r>
-              <a:rPr lang="th-TH" sz="6000" dirty="0">
-                <a:solidFill>
-                  <a:schemeClr val="accent4"/>
-                </a:solidFill>
-              </a:rPr>
-              <a:t>กับ</a:t>
-            </a:r>
-            <a:r>
-              <a:rPr lang="en-US" sz="6000" dirty="0">
-                <a:solidFill>
-                  <a:schemeClr val="accent4"/>
-                </a:solidFill>
-              </a:rPr>
-              <a:t> Python</a:t>
-            </a:r>
+              <a:rPr lang="th-TH" dirty="0">
+                <a:solidFill>
+                  <a:schemeClr val="accent4"/>
+                </a:solidFill>
+              </a:rPr>
+              <a:t>ตัวอย่าง</a:t>
+            </a:r>
+            <a:endParaRPr lang="en-US" dirty="0">
+              <a:solidFill>
+                <a:schemeClr val="accent4"/>
+              </a:solidFill>
+            </a:endParaRPr>
           </a:p>
         </p:txBody>
       </p:sp>
       <p:pic>
         <p:nvPicPr>
-          <p:cNvPr id="25" name="Picture 24" descr="A computer code with text&#10;&#10;Description automatically generated with medium confidence">
+          <p:cNvPr id="5" name="Picture 4" descr="A computer code with text&#10;&#10;Description automatically generated">
             <a:extLst>
               <a:ext uri="{FF2B5EF4-FFF2-40B4-BE49-F238E27FC236}">
-                <a16:creationId xmlns:a16="http://schemas.microsoft.com/office/drawing/2014/main" id="{9773B916-BAD6-8E8C-C531-016F77557388}"/>
+                <a16:creationId xmlns:a16="http://schemas.microsoft.com/office/drawing/2014/main" id="{CE34EA49-8327-420E-D18C-8139BA9F4920}"/>
               </a:ext>
             </a:extLst>
           </p:cNvPr>
@@ -4605,8 +4407,8 @@
         </p:blipFill>
         <p:spPr>
           <a:xfrm>
-            <a:off x="6815012" y="2857227"/>
-            <a:ext cx="2451538" cy="2397006"/>
+            <a:off x="931533" y="1678842"/>
+            <a:ext cx="4658452" cy="3100548"/>
           </a:xfrm>
           <a:prstGeom prst="rect">
             <a:avLst/>
@@ -4621,10 +4423,10 @@
       </p:pic>
       <p:pic>
         <p:nvPicPr>
-          <p:cNvPr id="26" name="Picture 25" descr="A computer code with text&#10;&#10;Description automatically generated">
+          <p:cNvPr id="6" name="Picture 5" descr="A screen shot of a computer code&#10;&#10;Description automatically generated">
             <a:extLst>
               <a:ext uri="{FF2B5EF4-FFF2-40B4-BE49-F238E27FC236}">
-                <a16:creationId xmlns:a16="http://schemas.microsoft.com/office/drawing/2014/main" id="{C370FF62-5097-1916-E167-248BAB2A92EF}"/>
+                <a16:creationId xmlns:a16="http://schemas.microsoft.com/office/drawing/2014/main" id="{10A4419D-440F-0014-EBB2-CDBE36C74547}"/>
               </a:ext>
             </a:extLst>
           </p:cNvPr>
@@ -4647,8 +4449,8 @@
         </p:blipFill>
         <p:spPr>
           <a:xfrm>
-            <a:off x="3593133" y="2857226"/>
-            <a:ext cx="2451538" cy="2397006"/>
+            <a:off x="6780064" y="1678842"/>
+            <a:ext cx="4182247" cy="3100548"/>
           </a:xfrm>
           <a:prstGeom prst="rect">
             <a:avLst/>
@@ -4661,173 +4463,12 @@
           </a:effectLst>
         </p:spPr>
       </p:pic>
-      <p:pic>
-        <p:nvPicPr>
-          <p:cNvPr id="27" name="Picture 26" descr="A computer code with text&#10;&#10;Description automatically generated">
-            <a:extLst>
-              <a:ext uri="{FF2B5EF4-FFF2-40B4-BE49-F238E27FC236}">
-                <a16:creationId xmlns:a16="http://schemas.microsoft.com/office/drawing/2014/main" id="{368ED4B1-EC14-BE95-DF6B-DD39E5A7EC67}"/>
-              </a:ext>
-            </a:extLst>
-          </p:cNvPr>
-          <p:cNvPicPr>
-            <a:picLocks noChangeAspect="1"/>
-          </p:cNvPicPr>
-          <p:nvPr/>
-        </p:nvPicPr>
-        <p:blipFill>
-          <a:blip r:embed="rId4">
-            <a:extLst>
-              <a:ext uri="{28A0092B-C50C-407E-A947-70E740481C1C}">
-                <a14:useLocalDpi xmlns:a14="http://schemas.microsoft.com/office/drawing/2010/main" val="0"/>
-              </a:ext>
-            </a:extLst>
-          </a:blip>
-          <a:stretch>
-            <a:fillRect/>
-          </a:stretch>
-        </p:blipFill>
-        <p:spPr>
-          <a:xfrm>
-            <a:off x="478824" y="2857445"/>
-            <a:ext cx="2451539" cy="2397006"/>
-          </a:xfrm>
-          <a:prstGeom prst="rect">
-            <a:avLst/>
-          </a:prstGeom>
-          <a:ln>
-            <a:noFill/>
-          </a:ln>
-          <a:effectLst>
-            <a:softEdge rad="112500"/>
-          </a:effectLst>
-        </p:spPr>
-      </p:pic>
-      <p:sp>
-        <p:nvSpPr>
-          <p:cNvPr id="28" name="TextBox 27">
-            <a:extLst>
-              <a:ext uri="{FF2B5EF4-FFF2-40B4-BE49-F238E27FC236}">
-                <a16:creationId xmlns:a16="http://schemas.microsoft.com/office/drawing/2014/main" id="{C20D5C55-EF5B-93AF-0972-EF2299B1E47B}"/>
-              </a:ext>
-            </a:extLst>
-          </p:cNvPr>
-          <p:cNvSpPr txBox="1"/>
-          <p:nvPr/>
-        </p:nvSpPr>
-        <p:spPr>
-          <a:xfrm>
-            <a:off x="1330828" y="2162261"/>
-            <a:ext cx="822661" cy="954107"/>
-          </a:xfrm>
-          <a:prstGeom prst="rect">
-            <a:avLst/>
-          </a:prstGeom>
-          <a:noFill/>
-        </p:spPr>
-        <p:txBody>
-          <a:bodyPr wrap="none" rtlCol="0">
-            <a:spAutoFit/>
-          </a:bodyPr>
-          <a:lstStyle/>
-          <a:p>
-            <a:r>
-              <a:rPr lang="en-US" dirty="0">
-                <a:solidFill>
-                  <a:schemeClr val="accent4"/>
-                </a:solidFill>
-              </a:rPr>
-              <a:t>Dart</a:t>
-            </a:r>
-          </a:p>
-          <a:p>
-            <a:endParaRPr lang="en-US" dirty="0">
-              <a:solidFill>
-                <a:schemeClr val="accent4"/>
-              </a:solidFill>
-            </a:endParaRPr>
-          </a:p>
-        </p:txBody>
-      </p:sp>
-      <p:sp>
-        <p:nvSpPr>
-          <p:cNvPr id="29" name="TextBox 28">
-            <a:extLst>
-              <a:ext uri="{FF2B5EF4-FFF2-40B4-BE49-F238E27FC236}">
-                <a16:creationId xmlns:a16="http://schemas.microsoft.com/office/drawing/2014/main" id="{FCB9B2F3-9CC6-7177-1079-B153C04D6DDB}"/>
-              </a:ext>
-            </a:extLst>
-          </p:cNvPr>
-          <p:cNvSpPr txBox="1"/>
-          <p:nvPr/>
-        </p:nvSpPr>
-        <p:spPr>
-          <a:xfrm>
-            <a:off x="4488888" y="2116094"/>
-            <a:ext cx="792205" cy="523220"/>
-          </a:xfrm>
-          <a:prstGeom prst="rect">
-            <a:avLst/>
-          </a:prstGeom>
-          <a:noFill/>
-        </p:spPr>
-        <p:txBody>
-          <a:bodyPr wrap="none" rtlCol="0">
-            <a:spAutoFit/>
-          </a:bodyPr>
-          <a:lstStyle/>
-          <a:p>
-            <a:r>
-              <a:rPr lang="en-US" dirty="0">
-                <a:solidFill>
-                  <a:schemeClr val="accent4"/>
-                </a:solidFill>
-              </a:rPr>
-              <a:t>Java</a:t>
-            </a:r>
-          </a:p>
-        </p:txBody>
-      </p:sp>
-      <p:sp>
-        <p:nvSpPr>
-          <p:cNvPr id="30" name="TextBox 29">
-            <a:extLst>
-              <a:ext uri="{FF2B5EF4-FFF2-40B4-BE49-F238E27FC236}">
-                <a16:creationId xmlns:a16="http://schemas.microsoft.com/office/drawing/2014/main" id="{8088319E-5E2D-4CCD-E3E7-4C00266452DF}"/>
-              </a:ext>
-            </a:extLst>
-          </p:cNvPr>
-          <p:cNvSpPr txBox="1"/>
-          <p:nvPr/>
-        </p:nvSpPr>
-        <p:spPr>
-          <a:xfrm>
-            <a:off x="7353776" y="2138470"/>
-            <a:ext cx="1224053" cy="523220"/>
-          </a:xfrm>
-          <a:prstGeom prst="rect">
-            <a:avLst/>
-          </a:prstGeom>
-          <a:noFill/>
-        </p:spPr>
-        <p:txBody>
-          <a:bodyPr wrap="none" rtlCol="0">
-            <a:spAutoFit/>
-          </a:bodyPr>
-          <a:lstStyle/>
-          <a:p>
-            <a:r>
-              <a:rPr lang="en-US" dirty="0">
-                <a:solidFill>
-                  <a:schemeClr val="accent4"/>
-                </a:solidFill>
-              </a:rPr>
-              <a:t>Python</a:t>
-            </a:r>
-          </a:p>
-        </p:txBody>
-      </p:sp>
     </p:spTree>
+    <p:extLst>
+      <p:ext uri="{BB962C8B-B14F-4D97-AF65-F5344CB8AC3E}">
+        <p14:creationId xmlns:p14="http://schemas.microsoft.com/office/powerpoint/2010/main" val="1884550478"/>
+      </p:ext>
+    </p:extLst>
   </p:cSld>
   <p:clrMapOvr>
     <a:masterClrMapping/>
@@ -4854,6 +4495,360 @@
       </p:grpSpPr>
       <p:sp>
         <p:nvSpPr>
+          <p:cNvPr id="24" name="Title 1">
+            <a:extLst>
+              <a:ext uri="{FF2B5EF4-FFF2-40B4-BE49-F238E27FC236}">
+                <a16:creationId xmlns:a16="http://schemas.microsoft.com/office/drawing/2014/main" id="{85A67742-A771-094F-47C0-8D274D5B85DD}"/>
+              </a:ext>
+            </a:extLst>
+          </p:cNvPr>
+          <p:cNvSpPr>
+            <a:spLocks noGrp="1" noChangeArrowheads="1"/>
+          </p:cNvSpPr>
+          <p:nvPr>
+            <p:ph type="title"/>
+          </p:nvPr>
+        </p:nvSpPr>
+        <p:spPr>
+          <a:xfrm>
+            <a:off x="-128515" y="516112"/>
+            <a:ext cx="8405249" cy="1087437"/>
+          </a:xfrm>
+        </p:spPr>
+        <p:txBody>
+          <a:bodyPr>
+            <a:noAutofit/>
+          </a:bodyPr>
+          <a:lstStyle/>
+          <a:p>
+            <a:r>
+              <a:rPr lang="th-TH" sz="6000" dirty="0">
+                <a:solidFill>
+                  <a:schemeClr val="accent4"/>
+                </a:solidFill>
+              </a:rPr>
+              <a:t>ความแตกต่างระหว่าง</a:t>
+            </a:r>
+            <a:r>
+              <a:rPr lang="en-US" sz="6000" dirty="0">
+                <a:solidFill>
+                  <a:schemeClr val="accent4"/>
+                </a:solidFill>
+              </a:rPr>
+              <a:t> Dart </a:t>
+            </a:r>
+            <a:r>
+              <a:rPr lang="th-TH" sz="6000" dirty="0">
+                <a:solidFill>
+                  <a:schemeClr val="accent4"/>
+                </a:solidFill>
+              </a:rPr>
+              <a:t>กับ </a:t>
+            </a:r>
+            <a:r>
+              <a:rPr lang="en-US" sz="6000" dirty="0">
+                <a:solidFill>
+                  <a:schemeClr val="accent4"/>
+                </a:solidFill>
+              </a:rPr>
+              <a:t>Java </a:t>
+            </a:r>
+            <a:r>
+              <a:rPr lang="th-TH" sz="6000" dirty="0">
+                <a:solidFill>
+                  <a:schemeClr val="accent4"/>
+                </a:solidFill>
+              </a:rPr>
+              <a:t>กับ</a:t>
+            </a:r>
+            <a:r>
+              <a:rPr lang="en-US" sz="6000" dirty="0">
+                <a:solidFill>
+                  <a:schemeClr val="accent4"/>
+                </a:solidFill>
+              </a:rPr>
+              <a:t> Python</a:t>
+            </a:r>
+          </a:p>
+        </p:txBody>
+      </p:sp>
+      <p:pic>
+        <p:nvPicPr>
+          <p:cNvPr id="25" name="Picture 24" descr="A computer code with text&#10;&#10;Description automatically generated with medium confidence">
+            <a:extLst>
+              <a:ext uri="{FF2B5EF4-FFF2-40B4-BE49-F238E27FC236}">
+                <a16:creationId xmlns:a16="http://schemas.microsoft.com/office/drawing/2014/main" id="{9773B916-BAD6-8E8C-C531-016F77557388}"/>
+              </a:ext>
+            </a:extLst>
+          </p:cNvPr>
+          <p:cNvPicPr>
+            <a:picLocks noChangeAspect="1"/>
+          </p:cNvPicPr>
+          <p:nvPr/>
+        </p:nvPicPr>
+        <p:blipFill>
+          <a:blip r:embed="rId2">
+            <a:extLst>
+              <a:ext uri="{28A0092B-C50C-407E-A947-70E740481C1C}">
+                <a14:useLocalDpi xmlns:a14="http://schemas.microsoft.com/office/drawing/2010/main" val="0"/>
+              </a:ext>
+            </a:extLst>
+          </a:blip>
+          <a:stretch>
+            <a:fillRect/>
+          </a:stretch>
+        </p:blipFill>
+        <p:spPr>
+          <a:xfrm>
+            <a:off x="6928134" y="2857226"/>
+            <a:ext cx="2451538" cy="2397006"/>
+          </a:xfrm>
+          <a:prstGeom prst="rect">
+            <a:avLst/>
+          </a:prstGeom>
+          <a:ln>
+            <a:noFill/>
+          </a:ln>
+          <a:effectLst>
+            <a:softEdge rad="112500"/>
+          </a:effectLst>
+        </p:spPr>
+      </p:pic>
+      <p:pic>
+        <p:nvPicPr>
+          <p:cNvPr id="26" name="Picture 25" descr="A computer code with text&#10;&#10;Description automatically generated">
+            <a:extLst>
+              <a:ext uri="{FF2B5EF4-FFF2-40B4-BE49-F238E27FC236}">
+                <a16:creationId xmlns:a16="http://schemas.microsoft.com/office/drawing/2014/main" id="{C370FF62-5097-1916-E167-248BAB2A92EF}"/>
+              </a:ext>
+            </a:extLst>
+          </p:cNvPr>
+          <p:cNvPicPr>
+            <a:picLocks noChangeAspect="1"/>
+          </p:cNvPicPr>
+          <p:nvPr/>
+        </p:nvPicPr>
+        <p:blipFill>
+          <a:blip r:embed="rId3">
+            <a:extLst>
+              <a:ext uri="{28A0092B-C50C-407E-A947-70E740481C1C}">
+                <a14:useLocalDpi xmlns:a14="http://schemas.microsoft.com/office/drawing/2010/main" val="0"/>
+              </a:ext>
+            </a:extLst>
+          </a:blip>
+          <a:stretch>
+            <a:fillRect/>
+          </a:stretch>
+        </p:blipFill>
+        <p:spPr>
+          <a:xfrm>
+            <a:off x="3593133" y="2857226"/>
+            <a:ext cx="2451538" cy="2397006"/>
+          </a:xfrm>
+          <a:prstGeom prst="rect">
+            <a:avLst/>
+          </a:prstGeom>
+          <a:ln>
+            <a:noFill/>
+          </a:ln>
+          <a:effectLst>
+            <a:softEdge rad="112500"/>
+          </a:effectLst>
+        </p:spPr>
+      </p:pic>
+      <p:pic>
+        <p:nvPicPr>
+          <p:cNvPr id="27" name="Picture 26" descr="A computer code with text&#10;&#10;Description automatically generated">
+            <a:extLst>
+              <a:ext uri="{FF2B5EF4-FFF2-40B4-BE49-F238E27FC236}">
+                <a16:creationId xmlns:a16="http://schemas.microsoft.com/office/drawing/2014/main" id="{368ED4B1-EC14-BE95-DF6B-DD39E5A7EC67}"/>
+              </a:ext>
+            </a:extLst>
+          </p:cNvPr>
+          <p:cNvPicPr>
+            <a:picLocks noChangeAspect="1"/>
+          </p:cNvPicPr>
+          <p:nvPr/>
+        </p:nvPicPr>
+        <p:blipFill>
+          <a:blip r:embed="rId4">
+            <a:extLst>
+              <a:ext uri="{28A0092B-C50C-407E-A947-70E740481C1C}">
+                <a14:useLocalDpi xmlns:a14="http://schemas.microsoft.com/office/drawing/2010/main" val="0"/>
+              </a:ext>
+            </a:extLst>
+          </a:blip>
+          <a:stretch>
+            <a:fillRect/>
+          </a:stretch>
+        </p:blipFill>
+        <p:spPr>
+          <a:xfrm>
+            <a:off x="478824" y="2857445"/>
+            <a:ext cx="2451539" cy="2397006"/>
+          </a:xfrm>
+          <a:prstGeom prst="rect">
+            <a:avLst/>
+          </a:prstGeom>
+          <a:ln>
+            <a:noFill/>
+          </a:ln>
+          <a:effectLst>
+            <a:softEdge rad="112500"/>
+          </a:effectLst>
+        </p:spPr>
+      </p:pic>
+      <p:sp>
+        <p:nvSpPr>
+          <p:cNvPr id="28" name="TextBox 27">
+            <a:extLst>
+              <a:ext uri="{FF2B5EF4-FFF2-40B4-BE49-F238E27FC236}">
+                <a16:creationId xmlns:a16="http://schemas.microsoft.com/office/drawing/2014/main" id="{C20D5C55-EF5B-93AF-0972-EF2299B1E47B}"/>
+              </a:ext>
+            </a:extLst>
+          </p:cNvPr>
+          <p:cNvSpPr txBox="1"/>
+          <p:nvPr/>
+        </p:nvSpPr>
+        <p:spPr>
+          <a:xfrm>
+            <a:off x="1330828" y="2162261"/>
+            <a:ext cx="822661" cy="954107"/>
+          </a:xfrm>
+          <a:prstGeom prst="rect">
+            <a:avLst/>
+          </a:prstGeom>
+          <a:noFill/>
+        </p:spPr>
+        <p:txBody>
+          <a:bodyPr wrap="none" rtlCol="0">
+            <a:spAutoFit/>
+          </a:bodyPr>
+          <a:lstStyle/>
+          <a:p>
+            <a:r>
+              <a:rPr lang="en-US" dirty="0">
+                <a:solidFill>
+                  <a:schemeClr val="accent4"/>
+                </a:solidFill>
+              </a:rPr>
+              <a:t>Dart</a:t>
+            </a:r>
+          </a:p>
+          <a:p>
+            <a:endParaRPr lang="en-US" dirty="0">
+              <a:solidFill>
+                <a:schemeClr val="accent4"/>
+              </a:solidFill>
+            </a:endParaRPr>
+          </a:p>
+        </p:txBody>
+      </p:sp>
+      <p:sp>
+        <p:nvSpPr>
+          <p:cNvPr id="29" name="TextBox 28">
+            <a:extLst>
+              <a:ext uri="{FF2B5EF4-FFF2-40B4-BE49-F238E27FC236}">
+                <a16:creationId xmlns:a16="http://schemas.microsoft.com/office/drawing/2014/main" id="{FCB9B2F3-9CC6-7177-1079-B153C04D6DDB}"/>
+              </a:ext>
+            </a:extLst>
+          </p:cNvPr>
+          <p:cNvSpPr txBox="1"/>
+          <p:nvPr/>
+        </p:nvSpPr>
+        <p:spPr>
+          <a:xfrm>
+            <a:off x="4488888" y="2116094"/>
+            <a:ext cx="792205" cy="523220"/>
+          </a:xfrm>
+          <a:prstGeom prst="rect">
+            <a:avLst/>
+          </a:prstGeom>
+          <a:noFill/>
+        </p:spPr>
+        <p:txBody>
+          <a:bodyPr wrap="none" rtlCol="0">
+            <a:spAutoFit/>
+          </a:bodyPr>
+          <a:lstStyle/>
+          <a:p>
+            <a:r>
+              <a:rPr lang="en-US" dirty="0">
+                <a:solidFill>
+                  <a:schemeClr val="accent4"/>
+                </a:solidFill>
+              </a:rPr>
+              <a:t>Java</a:t>
+            </a:r>
+          </a:p>
+        </p:txBody>
+      </p:sp>
+      <p:sp>
+        <p:nvSpPr>
+          <p:cNvPr id="30" name="TextBox 29">
+            <a:extLst>
+              <a:ext uri="{FF2B5EF4-FFF2-40B4-BE49-F238E27FC236}">
+                <a16:creationId xmlns:a16="http://schemas.microsoft.com/office/drawing/2014/main" id="{8088319E-5E2D-4CCD-E3E7-4C00266452DF}"/>
+              </a:ext>
+            </a:extLst>
+          </p:cNvPr>
+          <p:cNvSpPr txBox="1"/>
+          <p:nvPr/>
+        </p:nvSpPr>
+        <p:spPr>
+          <a:xfrm>
+            <a:off x="7353776" y="2138470"/>
+            <a:ext cx="1224053" cy="523220"/>
+          </a:xfrm>
+          <a:prstGeom prst="rect">
+            <a:avLst/>
+          </a:prstGeom>
+          <a:noFill/>
+        </p:spPr>
+        <p:txBody>
+          <a:bodyPr wrap="none" rtlCol="0">
+            <a:spAutoFit/>
+          </a:bodyPr>
+          <a:lstStyle/>
+          <a:p>
+            <a:r>
+              <a:rPr lang="en-US" dirty="0">
+                <a:solidFill>
+                  <a:schemeClr val="accent4"/>
+                </a:solidFill>
+              </a:rPr>
+              <a:t>Python</a:t>
+            </a:r>
+          </a:p>
+        </p:txBody>
+      </p:sp>
+    </p:spTree>
+  </p:cSld>
+  <p:clrMapOvr>
+    <a:masterClrMapping/>
+  </p:clrMapOvr>
+</p:sld>
+</file>
+
+<file path=ppt/slides/slide7.xml><?xml version="1.0" encoding="utf-8"?>
+<p:sld xmlns:a="http://schemas.openxmlformats.org/drawingml/2006/main" xmlns:r="http://schemas.openxmlformats.org/officeDocument/2006/relationships" xmlns:p="http://schemas.openxmlformats.org/presentationml/2006/main">
+  <p:cSld>
+    <p:spTree>
+      <p:nvGrpSpPr>
+        <p:cNvPr id="1" name=""/>
+        <p:cNvGrpSpPr/>
+        <p:nvPr/>
+      </p:nvGrpSpPr>
+      <p:grpSpPr>
+        <a:xfrm>
+          <a:off x="0" y="0"/>
+          <a:ext cx="0" cy="0"/>
+          <a:chOff x="0" y="0"/>
+          <a:chExt cx="0" cy="0"/>
+        </a:xfrm>
+      </p:grpSpPr>
+      <p:sp>
+        <p:nvSpPr>
           <p:cNvPr id="2" name="Title 1">
             <a:extLst>
               <a:ext uri="{FF2B5EF4-FFF2-40B4-BE49-F238E27FC236}">
@@ -4870,7 +4865,7 @@
         </p:nvSpPr>
         <p:spPr>
           <a:xfrm>
-            <a:off x="2272469" y="642526"/>
+            <a:off x="2544844" y="2197949"/>
             <a:ext cx="7102312" cy="1395167"/>
           </a:xfrm>
         </p:spPr>
@@ -4887,42 +4882,6 @@
           </a:p>
         </p:txBody>
       </p:sp>
-      <p:pic>
-        <p:nvPicPr>
-          <p:cNvPr id="5" name="Picture 4" descr="A close up of a dog&#10;&#10;Description automatically generated">
-            <a:extLst>
-              <a:ext uri="{FF2B5EF4-FFF2-40B4-BE49-F238E27FC236}">
-                <a16:creationId xmlns:a16="http://schemas.microsoft.com/office/drawing/2014/main" id="{13D205BD-4C14-913E-236E-3AB15D5D9A7B}"/>
-              </a:ext>
-            </a:extLst>
-          </p:cNvPr>
-          <p:cNvPicPr>
-            <a:picLocks noChangeAspect="1"/>
-          </p:cNvPicPr>
-          <p:nvPr/>
-        </p:nvPicPr>
-        <p:blipFill>
-          <a:blip r:embed="rId2">
-            <a:extLst>
-              <a:ext uri="{28A0092B-C50C-407E-A947-70E740481C1C}">
-                <a14:useLocalDpi xmlns:a14="http://schemas.microsoft.com/office/drawing/2010/main" val="0"/>
-              </a:ext>
-            </a:extLst>
-          </a:blip>
-          <a:stretch>
-            <a:fillRect/>
-          </a:stretch>
-        </p:blipFill>
-        <p:spPr>
-          <a:xfrm>
-            <a:off x="3986521" y="1935804"/>
-            <a:ext cx="3674207" cy="4922196"/>
-          </a:xfrm>
-          <a:prstGeom prst="rect">
-            <a:avLst/>
-          </a:prstGeom>
-        </p:spPr>
-      </p:pic>
     </p:spTree>
     <p:extLst>
       <p:ext uri="{BB962C8B-B14F-4D97-AF65-F5344CB8AC3E}">
@@ -5198,12 +5157,11 @@
 </file>
 
 <file path=customXml/item1.xml><?xml version="1.0" encoding="utf-8"?>
-<?mso-contentType ?>
-<FormTemplates xmlns="http://schemas.microsoft.com/sharepoint/v3/contenttype/forms">
-  <Display>DocumentLibraryForm</Display>
-  <Edit>DocumentLibraryForm</Edit>
-  <New>DocumentLibraryForm</New>
-</FormTemplates>
+<p:properties xmlns:p="http://schemas.microsoft.com/office/2006/metadata/properties" xmlns:xsi="http://www.w3.org/2001/XMLSchema-instance" xmlns:pc="http://schemas.microsoft.com/office/infopath/2007/PartnerControls">
+  <documentManagement>
+    <_activity xmlns="00363bb3-e74f-4104-86a2-6ab0a07f612a" xsi:nil="true"/>
+  </documentManagement>
+</p:properties>
 </file>
 
 <file path=customXml/item2.xml><?xml version="1.0" encoding="utf-8"?>
@@ -5404,17 +5362,27 @@
 </file>
 
 <file path=customXml/item3.xml><?xml version="1.0" encoding="utf-8"?>
-<p:properties xmlns:p="http://schemas.microsoft.com/office/2006/metadata/properties" xmlns:xsi="http://www.w3.org/2001/XMLSchema-instance" xmlns:pc="http://schemas.microsoft.com/office/infopath/2007/PartnerControls">
-  <documentManagement>
-    <_activity xmlns="00363bb3-e74f-4104-86a2-6ab0a07f612a" xsi:nil="true"/>
-  </documentManagement>
-</p:properties>
+<?mso-contentType ?>
+<FormTemplates xmlns="http://schemas.microsoft.com/sharepoint/v3/contenttype/forms">
+  <Display>DocumentLibraryForm</Display>
+  <Edit>DocumentLibraryForm</Edit>
+  <New>DocumentLibraryForm</New>
+</FormTemplates>
 </file>
 
 <file path=customXml/itemProps1.xml><?xml version="1.0" encoding="utf-8"?>
-<ds:datastoreItem xmlns:ds="http://schemas.openxmlformats.org/officeDocument/2006/customXml" ds:itemID="{3AFD6F1C-F431-4FE1-8BD4-9AEBE26E301E}">
+<ds:datastoreItem xmlns:ds="http://schemas.openxmlformats.org/officeDocument/2006/customXml" ds:itemID="{65CE3D6F-A47A-4EF6-9AAA-448D40CD52E1}">
   <ds:schemaRefs>
-    <ds:schemaRef ds:uri="http://schemas.microsoft.com/sharepoint/v3/contenttype/forms"/>
+    <ds:schemaRef ds:uri="00363bb3-e74f-4104-86a2-6ab0a07f612a"/>
+    <ds:schemaRef ds:uri="http://schemas.microsoft.com/office/infopath/2007/PartnerControls"/>
+    <ds:schemaRef ds:uri="http://schemas.microsoft.com/office/2006/documentManagement/types"/>
+    <ds:schemaRef ds:uri="caacfb58-780e-4416-9bbb-ed7f20a98dcc"/>
+    <ds:schemaRef ds:uri="http://schemas.microsoft.com/office/2006/metadata/properties"/>
+    <ds:schemaRef ds:uri="http://purl.org/dc/dcmitype/"/>
+    <ds:schemaRef ds:uri="http://purl.org/dc/terms/"/>
+    <ds:schemaRef ds:uri="http://schemas.openxmlformats.org/package/2006/metadata/core-properties"/>
+    <ds:schemaRef ds:uri="http://www.w3.org/XML/1998/namespace"/>
+    <ds:schemaRef ds:uri="http://purl.org/dc/elements/1.1/"/>
   </ds:schemaRefs>
 </ds:datastoreItem>
 </file>
@@ -5439,18 +5407,9 @@
 </file>
 
 <file path=customXml/itemProps3.xml><?xml version="1.0" encoding="utf-8"?>
-<ds:datastoreItem xmlns:ds="http://schemas.openxmlformats.org/officeDocument/2006/customXml" ds:itemID="{65CE3D6F-A47A-4EF6-9AAA-448D40CD52E1}">
+<ds:datastoreItem xmlns:ds="http://schemas.openxmlformats.org/officeDocument/2006/customXml" ds:itemID="{3AFD6F1C-F431-4FE1-8BD4-9AEBE26E301E}">
   <ds:schemaRefs>
-    <ds:schemaRef ds:uri="00363bb3-e74f-4104-86a2-6ab0a07f612a"/>
-    <ds:schemaRef ds:uri="http://schemas.microsoft.com/office/infopath/2007/PartnerControls"/>
-    <ds:schemaRef ds:uri="http://schemas.microsoft.com/office/2006/documentManagement/types"/>
-    <ds:schemaRef ds:uri="caacfb58-780e-4416-9bbb-ed7f20a98dcc"/>
-    <ds:schemaRef ds:uri="http://schemas.microsoft.com/office/2006/metadata/properties"/>
-    <ds:schemaRef ds:uri="http://purl.org/dc/dcmitype/"/>
-    <ds:schemaRef ds:uri="http://purl.org/dc/terms/"/>
-    <ds:schemaRef ds:uri="http://schemas.openxmlformats.org/package/2006/metadata/core-properties"/>
-    <ds:schemaRef ds:uri="http://www.w3.org/XML/1998/namespace"/>
-    <ds:schemaRef ds:uri="http://purl.org/dc/elements/1.1/"/>
+    <ds:schemaRef ds:uri="http://schemas.microsoft.com/sharepoint/v3/contenttype/forms"/>
   </ds:schemaRefs>
 </ds:datastoreItem>
 </file>
--- a/Class in Dart.pptx
+++ b/Class in Dart.pptx
@@ -8,10 +8,12 @@
     <p:sldId id="259" r:id="rId5"/>
     <p:sldId id="261" r:id="rId6"/>
     <p:sldId id="264" r:id="rId7"/>
-    <p:sldId id="258" r:id="rId8"/>
-    <p:sldId id="265" r:id="rId9"/>
-    <p:sldId id="257" r:id="rId10"/>
-    <p:sldId id="263" r:id="rId11"/>
+    <p:sldId id="266" r:id="rId8"/>
+    <p:sldId id="258" r:id="rId9"/>
+    <p:sldId id="265" r:id="rId10"/>
+    <p:sldId id="267" r:id="rId11"/>
+    <p:sldId id="257" r:id="rId12"/>
+    <p:sldId id="263" r:id="rId13"/>
   </p:sldIdLst>
   <p:sldSz cx="12192000" cy="6858000"/>
   <p:notesSz cx="6858000" cy="9144000"/>
@@ -838,7 +840,7 @@
               <a:pPr>
                 <a:defRPr/>
               </a:pPr>
-              <a:t>29/09/66</a:t>
+              <a:t>30/09/66</a:t>
             </a:fld>
             <a:endParaRPr lang="th-TH"/>
           </a:p>
@@ -1220,7 +1222,7 @@
               <a:pPr>
                 <a:defRPr/>
               </a:pPr>
-              <a:t>29/09/66</a:t>
+              <a:t>30/09/66</a:t>
             </a:fld>
             <a:endParaRPr lang="th-TH"/>
           </a:p>
@@ -1630,7 +1632,7 @@
               <a:pPr>
                 <a:defRPr/>
               </a:pPr>
-              <a:t>29/09/66</a:t>
+              <a:t>30/09/66</a:t>
             </a:fld>
             <a:endParaRPr lang="th-TH"/>
           </a:p>
@@ -2022,7 +2024,7 @@
               <a:pPr>
                 <a:defRPr/>
               </a:pPr>
-              <a:t>29/09/66</a:t>
+              <a:t>30/09/66</a:t>
             </a:fld>
             <a:endParaRPr lang="th-TH"/>
           </a:p>
@@ -2553,7 +2555,7 @@
               <a:pPr>
                 <a:defRPr/>
               </a:pPr>
-              <a:t>29/09/66</a:t>
+              <a:t>30/09/66</a:t>
             </a:fld>
             <a:endParaRPr lang="th-TH"/>
           </a:p>
@@ -3270,8 +3272,8 @@
         </p:nvSpPr>
         <p:spPr>
           <a:xfrm>
-            <a:off x="5622421" y="1498649"/>
-            <a:ext cx="6201934" cy="3435179"/>
+            <a:off x="291881" y="1495041"/>
+            <a:ext cx="4751460" cy="3678811"/>
           </a:xfrm>
         </p:spPr>
         <p:txBody>
@@ -3288,207 +3290,326 @@
             <a:r>
               <a:rPr lang="th-TH" sz="2800" b="0" i="0" dirty="0">
                 <a:solidFill>
-                  <a:schemeClr val="tx1"/>
-                </a:solidFill>
-                <a:effectLst/>
-                <a:latin typeface="-apple-system"/>
+                  <a:schemeClr val="accent4"/>
+                </a:solidFill>
+                <a:effectLst/>
+                <a:latin typeface="-apple-system"/>
+                <a:cs typeface="TH Sarabun New" panose="020B0500040200020003"/>
               </a:rPr>
               <a:t>ในการเขียนโปรแกรมเชิงวัตถุ </a:t>
             </a:r>
             <a:r>
+              <a:rPr lang="en-US" sz="2800" b="0" dirty="0">
+                <a:solidFill>
+                  <a:schemeClr val="accent4"/>
+                </a:solidFill>
+                <a:latin typeface="-apple-system"/>
+                <a:cs typeface="TH Sarabun New" panose="020B0500040200020003"/>
+              </a:rPr>
+              <a:t>c</a:t>
+            </a:r>
+            <a:r>
               <a:rPr lang="en-US" sz="2800" b="0" i="0" dirty="0">
                 <a:solidFill>
-                  <a:schemeClr val="tx1"/>
-                </a:solidFill>
-                <a:effectLst/>
-                <a:latin typeface="-apple-system"/>
-              </a:rPr>
-              <a:t>Class </a:t>
+                  <a:schemeClr val="accent4"/>
+                </a:solidFill>
+                <a:effectLst/>
+                <a:latin typeface="-apple-system"/>
+                <a:cs typeface="TH Sarabun New" panose="020B0500040200020003"/>
+              </a:rPr>
+              <a:t>lass </a:t>
             </a:r>
             <a:r>
               <a:rPr lang="th-TH" sz="2800" b="0" i="0" dirty="0">
                 <a:solidFill>
-                  <a:schemeClr val="tx1"/>
-                </a:solidFill>
-                <a:effectLst/>
-                <a:latin typeface="-apple-system"/>
+                  <a:schemeClr val="accent4"/>
+                </a:solidFill>
+                <a:effectLst/>
+                <a:latin typeface="-apple-system"/>
+                <a:cs typeface="TH Sarabun New" panose="020B0500040200020003"/>
               </a:rPr>
               <a:t>จะเปรียบเสมือนกับ </a:t>
             </a:r>
             <a:r>
               <a:rPr lang="en-US" sz="2800" b="0" i="0" dirty="0">
                 <a:solidFill>
-                  <a:schemeClr val="tx1"/>
-                </a:solidFill>
-                <a:effectLst/>
-                <a:latin typeface="-apple-system"/>
-              </a:rPr>
-              <a:t>Blueprint </a:t>
+                  <a:schemeClr val="accent4"/>
+                </a:solidFill>
+                <a:effectLst/>
+                <a:latin typeface="-apple-system"/>
+                <a:cs typeface="TH Sarabun New" panose="020B0500040200020003"/>
+              </a:rPr>
+              <a:t>blueprint </a:t>
             </a:r>
             <a:r>
               <a:rPr lang="th-TH" sz="2800" b="0" i="0" dirty="0">
                 <a:solidFill>
-                  <a:schemeClr val="tx1"/>
-                </a:solidFill>
-                <a:effectLst/>
-                <a:latin typeface="-apple-system"/>
+                  <a:schemeClr val="accent4"/>
+                </a:solidFill>
+                <a:effectLst/>
+                <a:latin typeface="-apple-system"/>
+                <a:cs typeface="TH Sarabun New" panose="020B0500040200020003"/>
               </a:rPr>
               <a:t>หรือแบบแปลนสำหรับสร้าง </a:t>
             </a:r>
             <a:r>
               <a:rPr lang="en-US" sz="2800" b="0" i="0" dirty="0">
                 <a:solidFill>
-                  <a:schemeClr val="tx1"/>
-                </a:solidFill>
-                <a:effectLst/>
-                <a:latin typeface="-apple-system"/>
-              </a:rPr>
-              <a:t>Object (</a:t>
+                  <a:schemeClr val="accent4"/>
+                </a:solidFill>
+                <a:effectLst/>
+                <a:latin typeface="-apple-system"/>
+                <a:cs typeface="TH Sarabun New" panose="020B0500040200020003"/>
+              </a:rPr>
+              <a:t>object </a:t>
             </a:r>
             <a:r>
               <a:rPr lang="th-TH" sz="2800" b="0" i="0" dirty="0">
                 <a:solidFill>
-                  <a:schemeClr val="tx1"/>
-                </a:solidFill>
-                <a:effectLst/>
-                <a:latin typeface="-apple-system"/>
-              </a:rPr>
-              <a:t>วัตถุ) ซึ่ง </a:t>
+                  <a:schemeClr val="accent4"/>
+                </a:solidFill>
+                <a:effectLst/>
+                <a:latin typeface="-apple-system"/>
+                <a:cs typeface="TH Sarabun New" panose="020B0500040200020003"/>
+              </a:rPr>
+              <a:t>ซึ่ง </a:t>
             </a:r>
             <a:r>
               <a:rPr lang="en-US" sz="2800" b="0" i="0" dirty="0">
                 <a:solidFill>
-                  <a:schemeClr val="tx1"/>
-                </a:solidFill>
-                <a:effectLst/>
-                <a:latin typeface="-apple-system"/>
-              </a:rPr>
-              <a:t>Class </a:t>
+                  <a:schemeClr val="accent4"/>
+                </a:solidFill>
+                <a:effectLst/>
+                <a:latin typeface="-apple-system"/>
+                <a:cs typeface="TH Sarabun New" panose="020B0500040200020003"/>
+              </a:rPr>
+              <a:t>class</a:t>
             </a:r>
             <a:r>
               <a:rPr lang="th-TH" sz="2800" b="0" i="0" dirty="0">
                 <a:solidFill>
-                  <a:schemeClr val="tx1"/>
-                </a:solidFill>
-                <a:effectLst/>
-                <a:latin typeface="-apple-system"/>
-              </a:rPr>
-              <a:t>จะประกอบด้วย </a:t>
+                  <a:schemeClr val="accent4"/>
+                </a:solidFill>
+                <a:effectLst/>
+                <a:latin typeface="-apple-system"/>
+                <a:cs typeface="TH Sarabun New" panose="020B0500040200020003"/>
+              </a:rPr>
+              <a:t> จะประกอบด้วย </a:t>
             </a:r>
             <a:r>
               <a:rPr lang="en-US" sz="2800" b="0" i="0" dirty="0">
                 <a:solidFill>
-                  <a:schemeClr val="tx1"/>
-                </a:solidFill>
-                <a:effectLst/>
-                <a:latin typeface="-apple-system"/>
-              </a:rPr>
-              <a:t>Properties (</a:t>
+                  <a:schemeClr val="accent4"/>
+                </a:solidFill>
+                <a:effectLst/>
+                <a:latin typeface="Helvetica Neue"/>
+                <a:cs typeface="TH Sarabun New" panose="020B0500040200020003"/>
+              </a:rPr>
+              <a:t>properties </a:t>
+            </a:r>
+            <a:r>
+              <a:rPr lang="en-US" sz="2800" b="0" dirty="0">
+                <a:solidFill>
+                  <a:schemeClr val="accent4"/>
+                </a:solidFill>
+                <a:latin typeface="-apple-system"/>
+                <a:cs typeface="TH Sarabun New" panose="020B0500040200020003"/>
+              </a:rPr>
+              <a:t> </a:t>
+            </a:r>
+            <a:r>
+              <a:rPr lang="th-TH" sz="2800" b="0" dirty="0">
+                <a:solidFill>
+                  <a:schemeClr val="accent4"/>
+                </a:solidFill>
+                <a:latin typeface="-apple-system"/>
+                <a:cs typeface="TH Sarabun New" panose="020B0500040200020003"/>
+              </a:rPr>
+              <a:t>(</a:t>
+            </a:r>
+            <a:r>
+              <a:rPr lang="en-US" sz="2800" b="0" dirty="0">
+                <a:solidFill>
+                  <a:schemeClr val="accent4"/>
+                </a:solidFill>
+                <a:latin typeface="-apple-system"/>
+                <a:cs typeface="TH Sarabun New" panose="020B0500040200020003"/>
+              </a:rPr>
+              <a:t>attribute ,field</a:t>
+            </a:r>
+            <a:r>
+              <a:rPr lang="th-TH" sz="2800" b="0" dirty="0">
+                <a:solidFill>
+                  <a:schemeClr val="accent4"/>
+                </a:solidFill>
+                <a:latin typeface="-apple-system"/>
+                <a:cs typeface="TH Sarabun New" panose="020B0500040200020003"/>
+              </a:rPr>
+              <a:t>)</a:t>
+            </a:r>
+            <a:r>
+              <a:rPr lang="en-US" sz="2800" b="0" dirty="0">
+                <a:solidFill>
+                  <a:schemeClr val="accent4"/>
+                </a:solidFill>
+                <a:latin typeface="-apple-system"/>
+                <a:cs typeface="TH Sarabun New" panose="020B0500040200020003"/>
+              </a:rPr>
+              <a:t> </a:t>
+            </a:r>
+            <a:r>
+              <a:rPr lang="th-TH" sz="2800" b="0" dirty="0">
+                <a:solidFill>
+                  <a:schemeClr val="accent4"/>
+                </a:solidFill>
+                <a:latin typeface="-apple-system"/>
+                <a:cs typeface="TH Sarabun New" panose="020B0500040200020003"/>
+              </a:rPr>
+              <a:t>และ</a:t>
+            </a:r>
+            <a:r>
+              <a:rPr lang="en-US" sz="2800" b="0" dirty="0">
+                <a:solidFill>
+                  <a:schemeClr val="accent4"/>
+                </a:solidFill>
+                <a:latin typeface="-apple-system"/>
+                <a:cs typeface="TH Sarabun New" panose="020B0500040200020003"/>
+              </a:rPr>
+              <a:t> method </a:t>
+            </a:r>
+            <a:r>
+              <a:rPr lang="th-TH" sz="2800" b="0" dirty="0">
+                <a:solidFill>
+                  <a:schemeClr val="accent4"/>
+                </a:solidFill>
+                <a:latin typeface="-apple-system"/>
+                <a:cs typeface="TH Sarabun New" panose="020B0500040200020003"/>
+              </a:rPr>
+              <a:t>(</a:t>
+            </a:r>
+            <a:r>
+              <a:rPr lang="en-US" sz="2800" b="0" dirty="0">
+                <a:solidFill>
+                  <a:schemeClr val="accent4"/>
+                </a:solidFill>
+                <a:latin typeface="-apple-system"/>
+                <a:cs typeface="TH Sarabun New" panose="020B0500040200020003"/>
+              </a:rPr>
+              <a:t>behavior ,function</a:t>
+            </a:r>
+            <a:r>
+              <a:rPr lang="th-TH" sz="2800" b="0" dirty="0">
+                <a:solidFill>
+                  <a:schemeClr val="accent4"/>
+                </a:solidFill>
+                <a:latin typeface="-apple-system"/>
+                <a:cs typeface="TH Sarabun New" panose="020B0500040200020003"/>
+              </a:rPr>
+              <a:t>)</a:t>
+            </a:r>
+            <a:r>
+              <a:rPr lang="en-US" sz="2800" b="0" dirty="0">
+                <a:solidFill>
+                  <a:schemeClr val="accent4"/>
+                </a:solidFill>
+                <a:latin typeface="-apple-system"/>
+                <a:cs typeface="TH Sarabun New" panose="020B0500040200020003"/>
+              </a:rPr>
+              <a:t> </a:t>
             </a:r>
             <a:r>
               <a:rPr lang="th-TH" sz="2800" b="0" i="0" dirty="0">
                 <a:solidFill>
-                  <a:schemeClr val="tx1"/>
-                </a:solidFill>
-                <a:effectLst/>
-                <a:latin typeface="-apple-system"/>
-              </a:rPr>
-              <a:t>คุณลักษณะ) และ </a:t>
+                  <a:schemeClr val="accent4"/>
+                </a:solidFill>
+                <a:effectLst/>
+                <a:latin typeface="-apple-system"/>
+                <a:cs typeface="TH Sarabun New" panose="020B0500040200020003"/>
+              </a:rPr>
+              <a:t>โดย </a:t>
             </a:r>
             <a:r>
               <a:rPr lang="en-US" sz="2800" b="0" i="0" dirty="0">
                 <a:solidFill>
-                  <a:schemeClr val="tx1"/>
-                </a:solidFill>
-                <a:effectLst/>
-                <a:latin typeface="-apple-system"/>
-              </a:rPr>
-              <a:t>Method (</a:t>
+                  <a:schemeClr val="accent4"/>
+                </a:solidFill>
+                <a:effectLst/>
+                <a:latin typeface="-apple-system"/>
+                <a:cs typeface="TH Sarabun New" panose="020B0500040200020003"/>
+              </a:rPr>
+              <a:t>class </a:t>
             </a:r>
             <a:r>
               <a:rPr lang="th-TH" sz="2800" b="0" i="0" dirty="0">
                 <a:solidFill>
-                  <a:schemeClr val="tx1"/>
-                </a:solidFill>
-                <a:effectLst/>
-                <a:latin typeface="-apple-system"/>
-              </a:rPr>
-              <a:t>กระบวนการ) โดย </a:t>
+                  <a:schemeClr val="accent4"/>
+                </a:solidFill>
+                <a:effectLst/>
+                <a:latin typeface="-apple-system"/>
+                <a:cs typeface="TH Sarabun New" panose="020B0500040200020003"/>
+              </a:rPr>
+              <a:t>จะเป็นตัวกำหนด </a:t>
             </a:r>
             <a:r>
               <a:rPr lang="en-US" sz="2800" b="0" i="0" dirty="0">
                 <a:solidFill>
-                  <a:schemeClr val="tx1"/>
-                </a:solidFill>
-                <a:effectLst/>
-                <a:latin typeface="-apple-system"/>
-              </a:rPr>
-              <a:t>Class </a:t>
+                  <a:schemeClr val="accent4"/>
+                </a:solidFill>
+                <a:effectLst/>
+                <a:latin typeface="Helvetica Neue"/>
+                <a:cs typeface="TH Sarabun New" panose="020B0500040200020003"/>
+              </a:rPr>
+              <a:t>properties</a:t>
             </a:r>
             <a:r>
               <a:rPr lang="th-TH" sz="2800" b="0" i="0" dirty="0">
                 <a:solidFill>
-                  <a:schemeClr val="tx1"/>
-                </a:solidFill>
-                <a:effectLst/>
-                <a:latin typeface="-apple-system"/>
-              </a:rPr>
-              <a:t>จะเป็นตัวกำหนด </a:t>
+                  <a:schemeClr val="accent4"/>
+                </a:solidFill>
+                <a:effectLst/>
+                <a:latin typeface="-apple-system"/>
+                <a:cs typeface="TH Sarabun New" panose="020B0500040200020003"/>
+              </a:rPr>
+              <a:t> และ </a:t>
             </a:r>
             <a:r>
               <a:rPr lang="en-US" sz="2800" b="0" i="0" dirty="0">
                 <a:solidFill>
-                  <a:schemeClr val="tx1"/>
-                </a:solidFill>
-                <a:effectLst/>
-                <a:latin typeface="-apple-system"/>
-              </a:rPr>
-              <a:t>Properties </a:t>
+                  <a:schemeClr val="accent4"/>
+                </a:solidFill>
+                <a:effectLst/>
+                <a:latin typeface="-apple-system"/>
+                <a:cs typeface="TH Sarabun New" panose="020B0500040200020003"/>
+              </a:rPr>
+              <a:t>method </a:t>
             </a:r>
             <a:r>
               <a:rPr lang="th-TH" sz="2800" b="0" i="0" dirty="0">
                 <a:solidFill>
-                  <a:schemeClr val="tx1"/>
-                </a:solidFill>
-                <a:effectLst/>
-                <a:latin typeface="-apple-system"/>
-              </a:rPr>
-              <a:t>และ </a:t>
+                  <a:schemeClr val="accent4"/>
+                </a:solidFill>
+                <a:effectLst/>
+                <a:latin typeface="-apple-system"/>
+                <a:cs typeface="TH Sarabun New" panose="020B0500040200020003"/>
+              </a:rPr>
+              <a:t>ของ </a:t>
             </a:r>
             <a:r>
               <a:rPr lang="en-US" sz="2800" b="0" i="0" dirty="0">
                 <a:solidFill>
-                  <a:schemeClr val="tx1"/>
-                </a:solidFill>
-                <a:effectLst/>
-                <a:latin typeface="-apple-system"/>
-              </a:rPr>
-              <a:t>Method </a:t>
-            </a:r>
-            <a:r>
-              <a:rPr lang="th-TH" sz="2800" b="0" i="0" dirty="0">
-                <a:solidFill>
-                  <a:schemeClr val="tx1"/>
-                </a:solidFill>
-                <a:effectLst/>
-                <a:latin typeface="-apple-system"/>
-              </a:rPr>
-              <a:t>ของ </a:t>
-            </a:r>
-            <a:r>
-              <a:rPr lang="en-US" sz="2800" b="0" i="0" dirty="0">
-                <a:solidFill>
-                  <a:schemeClr val="tx1"/>
-                </a:solidFill>
-                <a:effectLst/>
-                <a:latin typeface="-apple-system"/>
-              </a:rPr>
-              <a:t>Object </a:t>
+                  <a:schemeClr val="accent4"/>
+                </a:solidFill>
+                <a:effectLst/>
+                <a:latin typeface="-apple-system"/>
+                <a:cs typeface="TH Sarabun New" panose="020B0500040200020003"/>
+              </a:rPr>
+              <a:t>object</a:t>
             </a:r>
             <a:endParaRPr lang="en-US" altLang="en-US" sz="2800" dirty="0">
               <a:solidFill>
-                <a:schemeClr val="tx1"/>
+                <a:schemeClr val="accent4"/>
               </a:solidFill>
+              <a:cs typeface="TH Sarabun New" panose="020B0500040200020003"/>
             </a:endParaRPr>
           </a:p>
         </p:txBody>
@@ -3507,8 +3628,8 @@
         </p:nvSpPr>
         <p:spPr>
           <a:xfrm>
-            <a:off x="676240" y="361519"/>
-            <a:ext cx="4411091" cy="923330"/>
+            <a:off x="1651229" y="616042"/>
+            <a:ext cx="2402296" cy="923330"/>
           </a:xfrm>
           <a:prstGeom prst="rect">
             <a:avLst/>
@@ -3527,23 +3648,7 @@
                   <a:schemeClr val="accent4"/>
                 </a:solidFill>
               </a:rPr>
-              <a:t>Class </a:t>
-            </a:r>
-            <a:r>
-              <a:rPr lang="th-TH" sz="5400" dirty="0">
-                <a:solidFill>
-                  <a:schemeClr val="accent4"/>
-                </a:solidFill>
-              </a:rPr>
-              <a:t>ใน </a:t>
-            </a:r>
-            <a:r>
-              <a:rPr lang="en-US" sz="5400" dirty="0">
-                <a:solidFill>
-                  <a:schemeClr val="accent4"/>
-                </a:solidFill>
-              </a:rPr>
-              <a:t>Dart</a:t>
+              <a:t>Class</a:t>
             </a:r>
           </a:p>
         </p:txBody>
@@ -3576,7 +3681,7 @@
         </p:blipFill>
         <p:spPr>
           <a:xfrm>
-            <a:off x="367645" y="1924170"/>
+            <a:off x="6834433" y="1539372"/>
             <a:ext cx="4535832" cy="3009658"/>
           </a:xfrm>
           <a:prstGeom prst="rect">
@@ -3693,7 +3798,7 @@
                 <a:effectLst/>
                 <a:latin typeface="-apple-system"/>
               </a:rPr>
-              <a:t>ยกตัวอย่าง</a:t>
+              <a:t>ตัวอย่าง</a:t>
             </a:r>
             <a:r>
               <a:rPr lang="en-US" sz="2800" b="0" i="0" dirty="0">
@@ -3703,27 +3808,7 @@
                 <a:effectLst/>
                 <a:latin typeface="-apple-system"/>
               </a:rPr>
-              <a:t> </a:t>
-            </a:r>
-            <a:r>
-              <a:rPr lang="th-TH" sz="2800" b="0" i="0" dirty="0">
-                <a:solidFill>
-                  <a:schemeClr val="accent4"/>
-                </a:solidFill>
-                <a:effectLst/>
-                <a:latin typeface="-apple-system"/>
-              </a:rPr>
-              <a:t>เช่น </a:t>
-            </a:r>
-            <a:r>
-              <a:rPr lang="en-US" sz="2800" b="0" i="0" dirty="0">
-                <a:solidFill>
-                  <a:schemeClr val="accent4"/>
-                </a:solidFill>
-                <a:effectLst/>
-                <a:latin typeface="-apple-system"/>
-              </a:rPr>
-              <a:t>Class </a:t>
+              <a:t> Class </a:t>
             </a:r>
             <a:r>
               <a:rPr lang="th-TH" sz="2800" b="0" i="0" dirty="0">
@@ -3884,10 +3969,10 @@
       </p:grpSpPr>
       <p:sp>
         <p:nvSpPr>
-          <p:cNvPr id="4" name="Title 3">
+          <p:cNvPr id="2" name="Title 1">
             <a:extLst>
               <a:ext uri="{FF2B5EF4-FFF2-40B4-BE49-F238E27FC236}">
-                <a16:creationId xmlns:a16="http://schemas.microsoft.com/office/drawing/2014/main" id="{3A3BB1BB-D542-AD6E-8A27-06309DC5D053}"/>
+                <a16:creationId xmlns:a16="http://schemas.microsoft.com/office/drawing/2014/main" id="{25EAE5CD-789C-67C1-25E6-60410168F216}"/>
               </a:ext>
             </a:extLst>
           </p:cNvPr>
@@ -3900,54 +3985,31 @@
         </p:nvSpPr>
         <p:spPr>
           <a:xfrm>
-            <a:off x="3085094" y="436395"/>
-            <a:ext cx="5780087" cy="904875"/>
+            <a:off x="2165863" y="233348"/>
+            <a:ext cx="8012784" cy="832874"/>
           </a:xfrm>
         </p:spPr>
         <p:txBody>
-          <a:bodyPr rtlCol="0"/>
+          <a:bodyPr/>
           <a:lstStyle/>
           <a:p>
-            <a:pPr algn="l"/>
-            <a:r>
-              <a:rPr lang="th-TH" dirty="0">
-                <a:latin typeface="-apple-system"/>
-              </a:rPr>
-              <a:t>การประกาศ</a:t>
-            </a:r>
-            <a:r>
-              <a:rPr lang="en-US" b="1" i="0" u="none" strike="noStrike" dirty="0">
-                <a:effectLst/>
-                <a:latin typeface="-apple-system"/>
-              </a:rPr>
-              <a:t> Class </a:t>
-            </a:r>
-            <a:r>
-              <a:rPr lang="th-TH" dirty="0">
-                <a:latin typeface="-apple-system"/>
-              </a:rPr>
-              <a:t>ใน</a:t>
-            </a:r>
-            <a:r>
-              <a:rPr lang="en-US" b="1" i="0" u="none" strike="noStrike" dirty="0">
-                <a:effectLst/>
-                <a:latin typeface="-apple-system"/>
-              </a:rPr>
-              <a:t> Dart</a:t>
-            </a:r>
-            <a:endParaRPr lang="en-US" b="1" i="0" dirty="0">
-              <a:effectLst/>
-              <a:latin typeface="-apple-system"/>
-            </a:endParaRPr>
+            <a:r>
+              <a:rPr lang="th-TH" dirty="0"/>
+              <a:t>ส่วนประกอบของ </a:t>
+            </a:r>
+            <a:r>
+              <a:rPr lang="en-US" dirty="0"/>
+              <a:t>Class</a:t>
+            </a:r>
           </a:p>
         </p:txBody>
       </p:sp>
       <p:sp>
         <p:nvSpPr>
-          <p:cNvPr id="5" name="Text Placeholder 4">
+          <p:cNvPr id="3" name="Text Placeholder 2">
             <a:extLst>
               <a:ext uri="{FF2B5EF4-FFF2-40B4-BE49-F238E27FC236}">
-                <a16:creationId xmlns:a16="http://schemas.microsoft.com/office/drawing/2014/main" id="{39493ED2-A974-5263-D975-FFC7522BC5C9}"/>
+                <a16:creationId xmlns:a16="http://schemas.microsoft.com/office/drawing/2014/main" id="{C3A8FF4C-4796-B3E5-5BE3-FBFC0F1C87E6}"/>
               </a:ext>
             </a:extLst>
           </p:cNvPr>
@@ -3960,322 +4022,175 @@
         </p:nvSpPr>
         <p:spPr>
           <a:xfrm>
-            <a:off x="761378" y="1692398"/>
-            <a:ext cx="10669243" cy="933037"/>
+            <a:off x="398171" y="1370203"/>
+            <a:ext cx="11875527" cy="1231596"/>
           </a:xfrm>
         </p:spPr>
         <p:txBody>
-          <a:bodyPr rtlCol="0">
-            <a:noAutofit/>
-          </a:bodyPr>
+          <a:bodyPr/>
           <a:lstStyle/>
           <a:p>
-            <a:pPr fontAlgn="auto">
-              <a:spcAft>
-                <a:spcPts val="0"/>
-              </a:spcAft>
-              <a:defRPr/>
-            </a:pPr>
-            <a:r>
-              <a:rPr lang="th-TH" sz="2500" b="0" i="0" dirty="0">
-                <a:solidFill>
-                  <a:schemeClr val="accent4"/>
-                </a:solidFill>
-                <a:effectLst/>
-                <a:latin typeface="-apple-system"/>
-              </a:rPr>
-              <a:t>ในภาษา </a:t>
-            </a:r>
-            <a:r>
-              <a:rPr lang="en-US" sz="2500" b="0" i="0" dirty="0">
-                <a:solidFill>
-                  <a:schemeClr val="accent4"/>
-                </a:solidFill>
-                <a:effectLst/>
-                <a:latin typeface="-apple-system"/>
-              </a:rPr>
-              <a:t>Dart </a:t>
-            </a:r>
-            <a:r>
-              <a:rPr lang="th-TH" sz="2500" b="0" i="0" dirty="0">
-                <a:solidFill>
-                  <a:schemeClr val="accent4"/>
-                </a:solidFill>
-                <a:effectLst/>
-                <a:latin typeface="-apple-system"/>
-              </a:rPr>
-              <a:t>สามารถสร้าง </a:t>
-            </a:r>
-            <a:r>
-              <a:rPr lang="en-US" sz="2500" b="0" i="0" dirty="0">
-                <a:solidFill>
-                  <a:schemeClr val="accent4"/>
-                </a:solidFill>
-                <a:effectLst/>
-                <a:latin typeface="-apple-system"/>
-              </a:rPr>
-              <a:t>Class </a:t>
-            </a:r>
-            <a:r>
-              <a:rPr lang="th-TH" sz="2500" b="0" i="0" dirty="0">
-                <a:solidFill>
-                  <a:schemeClr val="accent4"/>
-                </a:solidFill>
-                <a:effectLst/>
-                <a:latin typeface="-apple-system"/>
-              </a:rPr>
-              <a:t>ได้โดยใช้ </a:t>
-            </a:r>
-            <a:r>
-              <a:rPr lang="en-US" sz="2500" b="0" i="0" dirty="0">
-                <a:solidFill>
-                  <a:schemeClr val="accent4"/>
-                </a:solidFill>
-                <a:effectLst/>
-                <a:latin typeface="-apple-system"/>
-              </a:rPr>
-              <a:t>Keyword </a:t>
-            </a:r>
-            <a:r>
-              <a:rPr lang="th-TH" sz="2500" b="0" i="0" dirty="0">
-                <a:solidFill>
-                  <a:schemeClr val="accent4"/>
-                </a:solidFill>
-                <a:effectLst/>
-                <a:latin typeface="-apple-system"/>
-              </a:rPr>
-              <a:t>ว่า </a:t>
-            </a:r>
-            <a:r>
-              <a:rPr lang="en-US" sz="2500" b="1" i="0" dirty="0">
-                <a:solidFill>
-                  <a:schemeClr val="accent4"/>
-                </a:solidFill>
-                <a:effectLst/>
-                <a:latin typeface="-apple-system"/>
-              </a:rPr>
-              <a:t>class</a:t>
-            </a:r>
-            <a:r>
-              <a:rPr lang="en-US" sz="2500" b="0" i="0" dirty="0">
-                <a:solidFill>
-                  <a:schemeClr val="accent4"/>
-                </a:solidFill>
-                <a:effectLst/>
-                <a:latin typeface="-apple-system"/>
-              </a:rPr>
-              <a:t> </a:t>
-            </a:r>
-            <a:r>
-              <a:rPr lang="th-TH" sz="2500" b="0" i="0" dirty="0">
-                <a:solidFill>
-                  <a:schemeClr val="accent4"/>
-                </a:solidFill>
-                <a:effectLst/>
-                <a:latin typeface="-apple-system"/>
-              </a:rPr>
-              <a:t>ตามด้วย </a:t>
-            </a:r>
-            <a:r>
-              <a:rPr lang="th-TH" sz="2500" b="1" i="0" dirty="0">
-                <a:solidFill>
-                  <a:schemeClr val="accent4"/>
-                </a:solidFill>
-                <a:effectLst/>
-                <a:latin typeface="-apple-system"/>
-              </a:rPr>
-              <a:t>ชื่อคลาส</a:t>
-            </a:r>
-            <a:r>
-              <a:rPr lang="th-TH" sz="2500" b="0" i="0" dirty="0">
-                <a:solidFill>
-                  <a:schemeClr val="accent4"/>
-                </a:solidFill>
-                <a:effectLst/>
-                <a:latin typeface="-apple-system"/>
-              </a:rPr>
-              <a:t> และตามด้วย </a:t>
-            </a:r>
-            <a:r>
-              <a:rPr lang="th-TH" sz="2500" b="1" i="0" dirty="0">
-                <a:solidFill>
-                  <a:schemeClr val="accent4"/>
-                </a:solidFill>
-                <a:effectLst/>
-                <a:latin typeface="-apple-system"/>
-              </a:rPr>
-              <a:t>{ }</a:t>
-            </a:r>
-            <a:r>
-              <a:rPr lang="th-TH" sz="2500" b="0" i="0" dirty="0">
-                <a:solidFill>
-                  <a:schemeClr val="accent4"/>
-                </a:solidFill>
-                <a:effectLst/>
-                <a:latin typeface="-apple-system"/>
-              </a:rPr>
-              <a:t> โดยในการตั้งชื่อ </a:t>
-            </a:r>
-            <a:r>
-              <a:rPr lang="en-US" sz="2500" b="0" i="0" dirty="0">
-                <a:solidFill>
-                  <a:schemeClr val="accent4"/>
-                </a:solidFill>
-                <a:effectLst/>
-                <a:latin typeface="-apple-system"/>
-              </a:rPr>
-              <a:t>class </a:t>
-            </a:r>
-            <a:r>
-              <a:rPr lang="th-TH" sz="2500" b="0" i="0" dirty="0">
-                <a:solidFill>
-                  <a:schemeClr val="accent4"/>
-                </a:solidFill>
-                <a:effectLst/>
-                <a:latin typeface="-apple-system"/>
-              </a:rPr>
-              <a:t>ควรตั้งชื่อโดยใช้รูปแบบ </a:t>
-            </a:r>
-            <a:r>
-              <a:rPr lang="en-US" sz="2500" b="1" i="0" dirty="0" err="1">
-                <a:solidFill>
-                  <a:schemeClr val="accent4"/>
-                </a:solidFill>
-                <a:effectLst/>
-                <a:latin typeface="-apple-system"/>
-              </a:rPr>
-              <a:t>PascalCase</a:t>
-            </a:r>
-            <a:r>
-              <a:rPr lang="en-US" sz="2500" b="0" i="0" dirty="0">
-                <a:solidFill>
-                  <a:schemeClr val="accent4"/>
-                </a:solidFill>
-                <a:effectLst/>
-                <a:latin typeface="-apple-system"/>
-              </a:rPr>
-              <a:t> </a:t>
-            </a:r>
-            <a:r>
-              <a:rPr lang="th-TH" sz="2500" b="0" i="0" dirty="0">
-                <a:solidFill>
-                  <a:schemeClr val="accent4"/>
-                </a:solidFill>
-                <a:effectLst/>
-                <a:latin typeface="-apple-system"/>
-              </a:rPr>
-              <a:t>อย่างเช่น </a:t>
-            </a:r>
-            <a:r>
-              <a:rPr lang="en-US" sz="2500" b="1" i="0" dirty="0">
-                <a:solidFill>
-                  <a:schemeClr val="accent4"/>
-                </a:solidFill>
-                <a:effectLst/>
-                <a:latin typeface="-apple-system"/>
-              </a:rPr>
-              <a:t>Employee</a:t>
-            </a:r>
-            <a:r>
-              <a:rPr lang="en-US" sz="2500" b="0" i="0" dirty="0">
-                <a:solidFill>
-                  <a:schemeClr val="accent4"/>
-                </a:solidFill>
-                <a:effectLst/>
-                <a:latin typeface="-apple-system"/>
-              </a:rPr>
-              <a:t>, </a:t>
-            </a:r>
-            <a:r>
-              <a:rPr lang="en-US" sz="2500" b="1" i="0" dirty="0">
-                <a:solidFill>
-                  <a:schemeClr val="accent4"/>
-                </a:solidFill>
-                <a:effectLst/>
-                <a:latin typeface="-apple-system"/>
-              </a:rPr>
-              <a:t>Student</a:t>
-            </a:r>
-            <a:r>
-              <a:rPr lang="en-US" sz="2500" b="0" i="0" dirty="0">
-                <a:solidFill>
-                  <a:schemeClr val="accent4"/>
-                </a:solidFill>
-                <a:effectLst/>
-                <a:latin typeface="-apple-system"/>
-              </a:rPr>
-              <a:t>, </a:t>
-            </a:r>
-            <a:r>
-              <a:rPr lang="en-US" sz="2500" b="1" i="0" dirty="0" err="1">
-                <a:solidFill>
-                  <a:schemeClr val="accent4"/>
-                </a:solidFill>
-                <a:effectLst/>
-                <a:latin typeface="-apple-system"/>
-              </a:rPr>
-              <a:t>QuizBrain</a:t>
-            </a:r>
-            <a:endParaRPr lang="th-TH" sz="2500" dirty="0">
+            <a:pPr algn="l"/>
+            <a:r>
+              <a:rPr lang="en-US" dirty="0">
+                <a:solidFill>
+                  <a:schemeClr val="accent4"/>
+                </a:solidFill>
+                <a:latin typeface="-apple-system"/>
+              </a:rPr>
+              <a:t>-Data member </a:t>
+            </a:r>
+            <a:r>
+              <a:rPr lang="th-TH" dirty="0">
+                <a:solidFill>
+                  <a:schemeClr val="accent4"/>
+                </a:solidFill>
+                <a:latin typeface="-apple-system"/>
+              </a:rPr>
+              <a:t>คือสมาชิกข้อมูล ค่าคงที่ </a:t>
+            </a:r>
+            <a:r>
+              <a:rPr lang="th-TH" b="0" i="0" dirty="0">
+                <a:solidFill>
+                  <a:schemeClr val="accent4"/>
+                </a:solidFill>
+                <a:effectLst/>
+                <a:latin typeface="Helvetica Neue"/>
+              </a:rPr>
+              <a:t> ตัวแปรของข้อมูลชนิดพื้นฐาน หรือแม้แต่ </a:t>
+            </a:r>
+            <a:r>
+              <a:rPr lang="en-US" b="0" i="0" dirty="0">
+                <a:solidFill>
+                  <a:schemeClr val="accent4"/>
+                </a:solidFill>
+                <a:effectLst/>
+                <a:latin typeface="Helvetica Neue"/>
+              </a:rPr>
+              <a:t>object </a:t>
+            </a:r>
+            <a:r>
+              <a:rPr lang="th-TH" b="0" i="0" dirty="0">
+                <a:solidFill>
+                  <a:schemeClr val="accent4"/>
+                </a:solidFill>
+                <a:effectLst/>
+                <a:latin typeface="Helvetica Neue"/>
+              </a:rPr>
+              <a:t>(</a:t>
+            </a:r>
+            <a:r>
+              <a:rPr lang="en-US" b="0" i="0" dirty="0" err="1">
+                <a:solidFill>
+                  <a:schemeClr val="accent4"/>
+                </a:solidFill>
+                <a:effectLst/>
+                <a:latin typeface="Helvetica Neue"/>
+              </a:rPr>
+              <a:t>attribute,properties</a:t>
+            </a:r>
+            <a:r>
+              <a:rPr lang="th-TH" b="0" i="0" dirty="0">
+                <a:solidFill>
+                  <a:schemeClr val="accent4"/>
+                </a:solidFill>
+                <a:effectLst/>
+                <a:latin typeface="Helvetica Neue"/>
+              </a:rPr>
+              <a:t>)</a:t>
+            </a:r>
+            <a:endParaRPr lang="en-US" dirty="0">
               <a:solidFill>
                 <a:schemeClr val="accent4"/>
               </a:solidFill>
+              <a:latin typeface="Helvetica Neue"/>
             </a:endParaRPr>
           </a:p>
-        </p:txBody>
-      </p:sp>
-      <p:sp>
-        <p:nvSpPr>
-          <p:cNvPr id="2" name="TextBox 1">
-            <a:extLst>
-              <a:ext uri="{FF2B5EF4-FFF2-40B4-BE49-F238E27FC236}">
-                <a16:creationId xmlns:a16="http://schemas.microsoft.com/office/drawing/2014/main" id="{8045865D-7DF0-3D92-90F7-E321E9D4E01E}"/>
-              </a:ext>
-            </a:extLst>
-          </p:cNvPr>
-          <p:cNvSpPr txBox="1"/>
-          <p:nvPr/>
-        </p:nvSpPr>
-        <p:spPr>
-          <a:xfrm>
-            <a:off x="4645969" y="2891673"/>
-            <a:ext cx="2286000" cy="830997"/>
-          </a:xfrm>
-          <a:prstGeom prst="rect">
-            <a:avLst/>
-          </a:prstGeom>
-          <a:noFill/>
-        </p:spPr>
-        <p:txBody>
-          <a:bodyPr wrap="square" rtlCol="0">
-            <a:spAutoFit/>
-          </a:bodyPr>
-          <a:lstStyle/>
-          <a:p>
-            <a:r>
-              <a:rPr lang="en-US" sz="4800" b="1" i="0" dirty="0">
-                <a:solidFill>
-                  <a:schemeClr val="accent4"/>
-                </a:solidFill>
-                <a:effectLst/>
-                <a:latin typeface="-apple-system"/>
-              </a:rPr>
-              <a:t>Syntax</a:t>
-            </a:r>
-            <a:endParaRPr lang="en-US" sz="4800" dirty="0">
+          <a:p>
+            <a:pPr algn="l"/>
+            <a:r>
+              <a:rPr lang="en-US" sz="2400" b="0" i="0" dirty="0">
+                <a:solidFill>
+                  <a:schemeClr val="accent4"/>
+                </a:solidFill>
+                <a:effectLst/>
+                <a:latin typeface="-apple-system"/>
+              </a:rPr>
+              <a:t>-Method member </a:t>
+            </a:r>
+            <a:r>
+              <a:rPr lang="th-TH" sz="2400" b="0" i="0" dirty="0">
+                <a:solidFill>
+                  <a:schemeClr val="accent4"/>
+                </a:solidFill>
+                <a:effectLst/>
+                <a:latin typeface="-apple-system"/>
+              </a:rPr>
+              <a:t>คือสมาชิกที่เป็น </a:t>
+            </a:r>
+            <a:r>
+              <a:rPr lang="en-US" sz="2400" b="0" i="0" dirty="0">
+                <a:solidFill>
+                  <a:schemeClr val="accent4"/>
+                </a:solidFill>
+                <a:effectLst/>
+                <a:latin typeface="-apple-system"/>
+              </a:rPr>
+              <a:t>function</a:t>
+            </a:r>
+            <a:r>
+              <a:rPr lang="en-US" sz="2400" b="0" i="0" dirty="0">
+                <a:solidFill>
+                  <a:schemeClr val="accent4"/>
+                </a:solidFill>
+                <a:effectLst/>
+                <a:latin typeface="Helvetica Neue"/>
+              </a:rPr>
+              <a:t> </a:t>
+            </a:r>
+            <a:r>
+              <a:rPr lang="th-TH" dirty="0">
+                <a:solidFill>
+                  <a:schemeClr val="accent4"/>
+                </a:solidFill>
+                <a:latin typeface="Helvetica Neue"/>
+              </a:rPr>
+              <a:t>(</a:t>
+            </a:r>
+            <a:r>
+              <a:rPr lang="en-US" dirty="0" err="1">
+                <a:solidFill>
+                  <a:schemeClr val="accent4"/>
+                </a:solidFill>
+                <a:latin typeface="Helvetica Neue"/>
+              </a:rPr>
+              <a:t>method,function</a:t>
+            </a:r>
+            <a:r>
+              <a:rPr lang="th-TH" dirty="0">
+                <a:solidFill>
+                  <a:schemeClr val="accent4"/>
+                </a:solidFill>
+                <a:latin typeface="Helvetica Neue"/>
+              </a:rPr>
+              <a:t>)</a:t>
+            </a:r>
+            <a:endParaRPr lang="en-US" sz="2400" b="0" i="0" dirty="0">
               <a:solidFill>
                 <a:schemeClr val="accent4"/>
               </a:solidFill>
+              <a:effectLst/>
+              <a:latin typeface="-apple-system"/>
             </a:endParaRPr>
           </a:p>
         </p:txBody>
       </p:sp>
       <p:pic>
         <p:nvPicPr>
-          <p:cNvPr id="8" name="Picture 7" descr="A computer screen shot of a computer code&#10;&#10;Description automatically generated">
+          <p:cNvPr id="9" name="Picture 8" descr="A diagram of a person&#10;&#10;Description automatically generated">
             <a:extLst>
               <a:ext uri="{FF2B5EF4-FFF2-40B4-BE49-F238E27FC236}">
-                <a16:creationId xmlns:a16="http://schemas.microsoft.com/office/drawing/2014/main" id="{41C75BA7-36A9-4E2E-2A2B-FF7B0664102B}"/>
+                <a16:creationId xmlns:a16="http://schemas.microsoft.com/office/drawing/2014/main" id="{71B7F8B3-8C2A-15F0-3876-96C83037325C}"/>
               </a:ext>
             </a:extLst>
           </p:cNvPr>
@@ -4298,8 +4213,8 @@
         </p:blipFill>
         <p:spPr>
           <a:xfrm>
-            <a:off x="3749569" y="3988908"/>
-            <a:ext cx="3681253" cy="1866074"/>
+            <a:off x="2304357" y="2820938"/>
+            <a:ext cx="7583285" cy="3324832"/>
           </a:xfrm>
           <a:prstGeom prst="rect">
             <a:avLst/>
@@ -4313,6 +4228,11 @@
         </p:spPr>
       </p:pic>
     </p:spTree>
+    <p:extLst>
+      <p:ext uri="{BB962C8B-B14F-4D97-AF65-F5344CB8AC3E}">
+        <p14:creationId xmlns:p14="http://schemas.microsoft.com/office/powerpoint/2010/main" val="2813024394"/>
+      </p:ext>
+    </p:extLst>
   </p:cSld>
   <p:clrMapOvr>
     <a:masterClrMapping/>
@@ -4339,10 +4259,10 @@
       </p:grpSpPr>
       <p:sp>
         <p:nvSpPr>
-          <p:cNvPr id="4" name="Title 15">
+          <p:cNvPr id="4" name="Title 3">
             <a:extLst>
               <a:ext uri="{FF2B5EF4-FFF2-40B4-BE49-F238E27FC236}">
-                <a16:creationId xmlns:a16="http://schemas.microsoft.com/office/drawing/2014/main" id="{3741E040-107F-958B-A5D8-E104937B22E3}"/>
+                <a16:creationId xmlns:a16="http://schemas.microsoft.com/office/drawing/2014/main" id="{3A3BB1BB-D542-AD6E-8A27-06309DC5D053}"/>
               </a:ext>
             </a:extLst>
           </p:cNvPr>
@@ -4355,23 +4275,323 @@
         </p:nvSpPr>
         <p:spPr>
           <a:xfrm>
-            <a:off x="4907274" y="305480"/>
-            <a:ext cx="1872790" cy="990600"/>
+            <a:off x="3085094" y="436395"/>
+            <a:ext cx="5780087" cy="904875"/>
           </a:xfrm>
         </p:spPr>
         <p:txBody>
-          <a:bodyPr/>
+          <a:bodyPr rtlCol="0"/>
           <a:lstStyle/>
           <a:p>
+            <a:pPr algn="l"/>
             <a:r>
               <a:rPr lang="th-TH" dirty="0">
-                <a:solidFill>
-                  <a:schemeClr val="accent4"/>
-                </a:solidFill>
-              </a:rPr>
-              <a:t>ตัวอย่าง</a:t>
-            </a:r>
-            <a:endParaRPr lang="en-US" dirty="0">
+                <a:latin typeface="-apple-system"/>
+              </a:rPr>
+              <a:t>การประกาศ</a:t>
+            </a:r>
+            <a:r>
+              <a:rPr lang="en-US" b="1" i="0" u="none" strike="noStrike" dirty="0">
+                <a:effectLst/>
+                <a:latin typeface="-apple-system"/>
+              </a:rPr>
+              <a:t> Class </a:t>
+            </a:r>
+            <a:r>
+              <a:rPr lang="th-TH" dirty="0">
+                <a:latin typeface="-apple-system"/>
+              </a:rPr>
+              <a:t>ใน</a:t>
+            </a:r>
+            <a:r>
+              <a:rPr lang="en-US" b="1" i="0" u="none" strike="noStrike" dirty="0">
+                <a:effectLst/>
+                <a:latin typeface="-apple-system"/>
+              </a:rPr>
+              <a:t> Dart</a:t>
+            </a:r>
+            <a:endParaRPr lang="en-US" b="1" i="0" dirty="0">
+              <a:effectLst/>
+              <a:latin typeface="-apple-system"/>
+            </a:endParaRPr>
+          </a:p>
+        </p:txBody>
+      </p:sp>
+      <p:sp>
+        <p:nvSpPr>
+          <p:cNvPr id="5" name="Text Placeholder 4">
+            <a:extLst>
+              <a:ext uri="{FF2B5EF4-FFF2-40B4-BE49-F238E27FC236}">
+                <a16:creationId xmlns:a16="http://schemas.microsoft.com/office/drawing/2014/main" id="{39493ED2-A974-5263-D975-FFC7522BC5C9}"/>
+              </a:ext>
+            </a:extLst>
+          </p:cNvPr>
+          <p:cNvSpPr>
+            <a:spLocks noGrp="1"/>
+          </p:cNvSpPr>
+          <p:nvPr>
+            <p:ph type="body" idx="1"/>
+          </p:nvPr>
+        </p:nvSpPr>
+        <p:spPr>
+          <a:xfrm>
+            <a:off x="761378" y="1692398"/>
+            <a:ext cx="10669243" cy="933037"/>
+          </a:xfrm>
+        </p:spPr>
+        <p:txBody>
+          <a:bodyPr rtlCol="0">
+            <a:noAutofit/>
+          </a:bodyPr>
+          <a:lstStyle/>
+          <a:p>
+            <a:pPr fontAlgn="auto">
+              <a:spcAft>
+                <a:spcPts val="0"/>
+              </a:spcAft>
+              <a:defRPr/>
+            </a:pPr>
+            <a:r>
+              <a:rPr lang="th-TH" sz="2500" b="0" i="0" dirty="0">
+                <a:solidFill>
+                  <a:schemeClr val="accent4"/>
+                </a:solidFill>
+                <a:effectLst/>
+                <a:latin typeface="-apple-system"/>
+              </a:rPr>
+              <a:t>ในภาษา </a:t>
+            </a:r>
+            <a:r>
+              <a:rPr lang="en-US" sz="2500" b="0" i="0" dirty="0">
+                <a:solidFill>
+                  <a:schemeClr val="accent4"/>
+                </a:solidFill>
+                <a:effectLst/>
+                <a:latin typeface="-apple-system"/>
+              </a:rPr>
+              <a:t>Dart </a:t>
+            </a:r>
+            <a:r>
+              <a:rPr lang="th-TH" sz="2500" b="0" i="0" dirty="0">
+                <a:solidFill>
+                  <a:schemeClr val="accent4"/>
+                </a:solidFill>
+                <a:effectLst/>
+                <a:latin typeface="-apple-system"/>
+              </a:rPr>
+              <a:t>สามารถสร้าง </a:t>
+            </a:r>
+            <a:r>
+              <a:rPr lang="en-US" sz="2500" b="0" i="0" dirty="0">
+                <a:solidFill>
+                  <a:schemeClr val="accent4"/>
+                </a:solidFill>
+                <a:effectLst/>
+                <a:latin typeface="-apple-system"/>
+              </a:rPr>
+              <a:t>Class </a:t>
+            </a:r>
+            <a:r>
+              <a:rPr lang="th-TH" sz="2500" b="0" i="0" dirty="0">
+                <a:solidFill>
+                  <a:schemeClr val="accent4"/>
+                </a:solidFill>
+                <a:effectLst/>
+                <a:latin typeface="-apple-system"/>
+              </a:rPr>
+              <a:t>ได้โดยใช้ </a:t>
+            </a:r>
+            <a:r>
+              <a:rPr lang="en-US" sz="2500" b="0" i="0" dirty="0">
+                <a:solidFill>
+                  <a:schemeClr val="accent4"/>
+                </a:solidFill>
+                <a:effectLst/>
+                <a:latin typeface="-apple-system"/>
+              </a:rPr>
+              <a:t>Keyword </a:t>
+            </a:r>
+            <a:r>
+              <a:rPr lang="th-TH" sz="2500" b="0" i="0" dirty="0">
+                <a:solidFill>
+                  <a:schemeClr val="accent4"/>
+                </a:solidFill>
+                <a:effectLst/>
+                <a:latin typeface="-apple-system"/>
+              </a:rPr>
+              <a:t>ว่า </a:t>
+            </a:r>
+            <a:r>
+              <a:rPr lang="en-US" sz="2500" b="1" i="0" dirty="0">
+                <a:solidFill>
+                  <a:schemeClr val="accent4"/>
+                </a:solidFill>
+                <a:effectLst/>
+                <a:latin typeface="-apple-system"/>
+              </a:rPr>
+              <a:t>class</a:t>
+            </a:r>
+            <a:r>
+              <a:rPr lang="en-US" sz="2500" b="0" i="0" dirty="0">
+                <a:solidFill>
+                  <a:schemeClr val="accent4"/>
+                </a:solidFill>
+                <a:effectLst/>
+                <a:latin typeface="-apple-system"/>
+              </a:rPr>
+              <a:t> </a:t>
+            </a:r>
+            <a:r>
+              <a:rPr lang="th-TH" sz="2500" b="0" i="0" dirty="0">
+                <a:solidFill>
+                  <a:schemeClr val="accent4"/>
+                </a:solidFill>
+                <a:effectLst/>
+                <a:latin typeface="-apple-system"/>
+              </a:rPr>
+              <a:t>ตามด้วย </a:t>
+            </a:r>
+            <a:r>
+              <a:rPr lang="th-TH" sz="2500" b="1" i="0" dirty="0">
+                <a:solidFill>
+                  <a:schemeClr val="accent4"/>
+                </a:solidFill>
+                <a:effectLst/>
+                <a:latin typeface="-apple-system"/>
+              </a:rPr>
+              <a:t>ชื่อคลาส</a:t>
+            </a:r>
+            <a:r>
+              <a:rPr lang="th-TH" sz="2500" b="0" i="0" dirty="0">
+                <a:solidFill>
+                  <a:schemeClr val="accent4"/>
+                </a:solidFill>
+                <a:effectLst/>
+                <a:latin typeface="-apple-system"/>
+              </a:rPr>
+              <a:t> และตามด้วย </a:t>
+            </a:r>
+            <a:r>
+              <a:rPr lang="th-TH" sz="2500" b="1" i="0" dirty="0">
+                <a:solidFill>
+                  <a:schemeClr val="accent4"/>
+                </a:solidFill>
+                <a:effectLst/>
+                <a:latin typeface="-apple-system"/>
+              </a:rPr>
+              <a:t>{ }</a:t>
+            </a:r>
+            <a:r>
+              <a:rPr lang="th-TH" sz="2500" b="0" i="0" dirty="0">
+                <a:solidFill>
+                  <a:schemeClr val="accent4"/>
+                </a:solidFill>
+                <a:effectLst/>
+                <a:latin typeface="-apple-system"/>
+              </a:rPr>
+              <a:t> โดยในการตั้งชื่อ </a:t>
+            </a:r>
+            <a:r>
+              <a:rPr lang="en-US" sz="2500" b="0" i="0" dirty="0">
+                <a:solidFill>
+                  <a:schemeClr val="accent4"/>
+                </a:solidFill>
+                <a:effectLst/>
+                <a:latin typeface="-apple-system"/>
+              </a:rPr>
+              <a:t>class </a:t>
+            </a:r>
+            <a:r>
+              <a:rPr lang="th-TH" sz="2500" b="0" i="0" dirty="0">
+                <a:solidFill>
+                  <a:schemeClr val="accent4"/>
+                </a:solidFill>
+                <a:effectLst/>
+                <a:latin typeface="-apple-system"/>
+              </a:rPr>
+              <a:t>ควรตั้งชื่อโดยใช้รูปแบบ </a:t>
+            </a:r>
+            <a:r>
+              <a:rPr lang="en-US" sz="2500" b="1" i="0" dirty="0" err="1">
+                <a:solidFill>
+                  <a:schemeClr val="accent4"/>
+                </a:solidFill>
+                <a:effectLst/>
+                <a:latin typeface="-apple-system"/>
+              </a:rPr>
+              <a:t>PascalCase</a:t>
+            </a:r>
+            <a:r>
+              <a:rPr lang="en-US" sz="2500" b="0" i="0" dirty="0">
+                <a:solidFill>
+                  <a:schemeClr val="accent4"/>
+                </a:solidFill>
+                <a:effectLst/>
+                <a:latin typeface="-apple-system"/>
+              </a:rPr>
+              <a:t> </a:t>
+            </a:r>
+            <a:r>
+              <a:rPr lang="th-TH" sz="2500" b="0" i="0" dirty="0">
+                <a:solidFill>
+                  <a:schemeClr val="accent4"/>
+                </a:solidFill>
+                <a:effectLst/>
+                <a:latin typeface="-apple-system"/>
+              </a:rPr>
+              <a:t>อย่างเช่น </a:t>
+            </a:r>
+            <a:r>
+              <a:rPr lang="en-US" sz="2500" b="1" i="0" dirty="0">
+                <a:solidFill>
+                  <a:schemeClr val="accent4"/>
+                </a:solidFill>
+                <a:effectLst/>
+                <a:latin typeface="-apple-system"/>
+              </a:rPr>
+              <a:t>Employee</a:t>
+            </a:r>
+            <a:r>
+              <a:rPr lang="en-US" sz="2500" b="0" i="0" dirty="0">
+                <a:solidFill>
+                  <a:schemeClr val="accent4"/>
+                </a:solidFill>
+                <a:effectLst/>
+                <a:latin typeface="-apple-system"/>
+              </a:rPr>
+              <a:t>, </a:t>
+            </a:r>
+            <a:r>
+              <a:rPr lang="en-US" sz="2500" b="1" i="0" dirty="0">
+                <a:solidFill>
+                  <a:schemeClr val="accent4"/>
+                </a:solidFill>
+                <a:effectLst/>
+                <a:latin typeface="-apple-system"/>
+              </a:rPr>
+              <a:t>Student</a:t>
+            </a:r>
+            <a:r>
+              <a:rPr lang="en-US" sz="2500" b="0" i="0" dirty="0">
+                <a:solidFill>
+                  <a:schemeClr val="accent4"/>
+                </a:solidFill>
+                <a:effectLst/>
+                <a:latin typeface="-apple-system"/>
+              </a:rPr>
+              <a:t>, </a:t>
+            </a:r>
+            <a:r>
+              <a:rPr lang="en-US" sz="2500" b="1" i="0" dirty="0" err="1">
+                <a:solidFill>
+                  <a:schemeClr val="accent4"/>
+                </a:solidFill>
+                <a:effectLst/>
+                <a:latin typeface="-apple-system"/>
+              </a:rPr>
+              <a:t>QuizBrain</a:t>
+            </a:r>
+            <a:endParaRPr lang="th-TH" sz="2500" dirty="0">
               <a:solidFill>
                 <a:schemeClr val="accent4"/>
               </a:solidFill>
@@ -4379,12 +4599,58 @@
           </a:p>
         </p:txBody>
       </p:sp>
+      <p:sp>
+        <p:nvSpPr>
+          <p:cNvPr id="2" name="TextBox 1">
+            <a:extLst>
+              <a:ext uri="{FF2B5EF4-FFF2-40B4-BE49-F238E27FC236}">
+                <a16:creationId xmlns:a16="http://schemas.microsoft.com/office/drawing/2014/main" id="{8045865D-7DF0-3D92-90F7-E321E9D4E01E}"/>
+              </a:ext>
+            </a:extLst>
+          </p:cNvPr>
+          <p:cNvSpPr txBox="1"/>
+          <p:nvPr/>
+        </p:nvSpPr>
+        <p:spPr>
+          <a:xfrm>
+            <a:off x="4645969" y="2891673"/>
+            <a:ext cx="2286000" cy="830997"/>
+          </a:xfrm>
+          <a:prstGeom prst="rect">
+            <a:avLst/>
+          </a:prstGeom>
+          <a:noFill/>
+        </p:spPr>
+        <p:txBody>
+          <a:bodyPr wrap="square" rtlCol="0">
+            <a:spAutoFit/>
+          </a:bodyPr>
+          <a:lstStyle/>
+          <a:p>
+            <a:r>
+              <a:rPr lang="en-US" sz="4800" b="1" i="0" dirty="0">
+                <a:solidFill>
+                  <a:schemeClr val="accent4"/>
+                </a:solidFill>
+                <a:effectLst/>
+                <a:latin typeface="-apple-system"/>
+              </a:rPr>
+              <a:t>Syntax</a:t>
+            </a:r>
+            <a:endParaRPr lang="en-US" sz="4800" dirty="0">
+              <a:solidFill>
+                <a:schemeClr val="accent4"/>
+              </a:solidFill>
+            </a:endParaRPr>
+          </a:p>
+        </p:txBody>
+      </p:sp>
       <p:pic>
         <p:nvPicPr>
-          <p:cNvPr id="5" name="Picture 4" descr="A computer code with text&#10;&#10;Description automatically generated">
+          <p:cNvPr id="8" name="Picture 7" descr="A computer screen shot of a computer code&#10;&#10;Description automatically generated">
             <a:extLst>
               <a:ext uri="{FF2B5EF4-FFF2-40B4-BE49-F238E27FC236}">
-                <a16:creationId xmlns:a16="http://schemas.microsoft.com/office/drawing/2014/main" id="{CE34EA49-8327-420E-D18C-8139BA9F4920}"/>
+                <a16:creationId xmlns:a16="http://schemas.microsoft.com/office/drawing/2014/main" id="{41C75BA7-36A9-4E2E-2A2B-FF7B0664102B}"/>
               </a:ext>
             </a:extLst>
           </p:cNvPr>
@@ -4407,8 +4673,8 @@
         </p:blipFill>
         <p:spPr>
           <a:xfrm>
-            <a:off x="931533" y="1678842"/>
-            <a:ext cx="4658452" cy="3100548"/>
+            <a:off x="3749569" y="3988908"/>
+            <a:ext cx="3681253" cy="1866074"/>
           </a:xfrm>
           <a:prstGeom prst="rect">
             <a:avLst/>
@@ -4421,54 +4687,7 @@
           </a:effectLst>
         </p:spPr>
       </p:pic>
-      <p:pic>
-        <p:nvPicPr>
-          <p:cNvPr id="6" name="Picture 5" descr="A screen shot of a computer code&#10;&#10;Description automatically generated">
-            <a:extLst>
-              <a:ext uri="{FF2B5EF4-FFF2-40B4-BE49-F238E27FC236}">
-                <a16:creationId xmlns:a16="http://schemas.microsoft.com/office/drawing/2014/main" id="{10A4419D-440F-0014-EBB2-CDBE36C74547}"/>
-              </a:ext>
-            </a:extLst>
-          </p:cNvPr>
-          <p:cNvPicPr>
-            <a:picLocks noChangeAspect="1"/>
-          </p:cNvPicPr>
-          <p:nvPr/>
-        </p:nvPicPr>
-        <p:blipFill>
-          <a:blip r:embed="rId3">
-            <a:extLst>
-              <a:ext uri="{28A0092B-C50C-407E-A947-70E740481C1C}">
-                <a14:useLocalDpi xmlns:a14="http://schemas.microsoft.com/office/drawing/2010/main" val="0"/>
-              </a:ext>
-            </a:extLst>
-          </a:blip>
-          <a:stretch>
-            <a:fillRect/>
-          </a:stretch>
-        </p:blipFill>
-        <p:spPr>
-          <a:xfrm>
-            <a:off x="6780064" y="1678842"/>
-            <a:ext cx="4182247" cy="3100548"/>
-          </a:xfrm>
-          <a:prstGeom prst="rect">
-            <a:avLst/>
-          </a:prstGeom>
-          <a:ln>
-            <a:noFill/>
-          </a:ln>
-          <a:effectLst>
-            <a:softEdge rad="112500"/>
-          </a:effectLst>
-        </p:spPr>
-      </p:pic>
     </p:spTree>
-    <p:extLst>
-      <p:ext uri="{BB962C8B-B14F-4D97-AF65-F5344CB8AC3E}">
-        <p14:creationId xmlns:p14="http://schemas.microsoft.com/office/powerpoint/2010/main" val="1884550478"/>
-      </p:ext>
-    </p:extLst>
   </p:cSld>
   <p:clrMapOvr>
     <a:masterClrMapping/>
@@ -4495,6 +4714,318 @@
       </p:grpSpPr>
       <p:sp>
         <p:nvSpPr>
+          <p:cNvPr id="4" name="Title 15">
+            <a:extLst>
+              <a:ext uri="{FF2B5EF4-FFF2-40B4-BE49-F238E27FC236}">
+                <a16:creationId xmlns:a16="http://schemas.microsoft.com/office/drawing/2014/main" id="{3741E040-107F-958B-A5D8-E104937B22E3}"/>
+              </a:ext>
+            </a:extLst>
+          </p:cNvPr>
+          <p:cNvSpPr>
+            <a:spLocks noGrp="1"/>
+          </p:cNvSpPr>
+          <p:nvPr>
+            <p:ph type="title"/>
+          </p:nvPr>
+        </p:nvSpPr>
+        <p:spPr>
+          <a:xfrm>
+            <a:off x="4907274" y="305480"/>
+            <a:ext cx="1872790" cy="990600"/>
+          </a:xfrm>
+        </p:spPr>
+        <p:txBody>
+          <a:bodyPr/>
+          <a:lstStyle/>
+          <a:p>
+            <a:r>
+              <a:rPr lang="th-TH" dirty="0">
+                <a:solidFill>
+                  <a:schemeClr val="accent4"/>
+                </a:solidFill>
+              </a:rPr>
+              <a:t>ตัวอย่าง</a:t>
+            </a:r>
+            <a:endParaRPr lang="en-US" dirty="0">
+              <a:solidFill>
+                <a:schemeClr val="accent4"/>
+              </a:solidFill>
+            </a:endParaRPr>
+          </a:p>
+        </p:txBody>
+      </p:sp>
+      <p:pic>
+        <p:nvPicPr>
+          <p:cNvPr id="5" name="Picture 4" descr="A computer code with text&#10;&#10;Description automatically generated">
+            <a:extLst>
+              <a:ext uri="{FF2B5EF4-FFF2-40B4-BE49-F238E27FC236}">
+                <a16:creationId xmlns:a16="http://schemas.microsoft.com/office/drawing/2014/main" id="{CE34EA49-8327-420E-D18C-8139BA9F4920}"/>
+              </a:ext>
+            </a:extLst>
+          </p:cNvPr>
+          <p:cNvPicPr>
+            <a:picLocks noChangeAspect="1"/>
+          </p:cNvPicPr>
+          <p:nvPr/>
+        </p:nvPicPr>
+        <p:blipFill>
+          <a:blip r:embed="rId2">
+            <a:extLst>
+              <a:ext uri="{28A0092B-C50C-407E-A947-70E740481C1C}">
+                <a14:useLocalDpi xmlns:a14="http://schemas.microsoft.com/office/drawing/2010/main" val="0"/>
+              </a:ext>
+            </a:extLst>
+          </a:blip>
+          <a:stretch>
+            <a:fillRect/>
+          </a:stretch>
+        </p:blipFill>
+        <p:spPr>
+          <a:xfrm>
+            <a:off x="931533" y="1678842"/>
+            <a:ext cx="4658452" cy="3100548"/>
+          </a:xfrm>
+          <a:prstGeom prst="rect">
+            <a:avLst/>
+          </a:prstGeom>
+          <a:ln>
+            <a:noFill/>
+          </a:ln>
+          <a:effectLst>
+            <a:softEdge rad="112500"/>
+          </a:effectLst>
+        </p:spPr>
+      </p:pic>
+      <p:pic>
+        <p:nvPicPr>
+          <p:cNvPr id="6" name="Picture 5" descr="A screen shot of a computer code&#10;&#10;Description automatically generated">
+            <a:extLst>
+              <a:ext uri="{FF2B5EF4-FFF2-40B4-BE49-F238E27FC236}">
+                <a16:creationId xmlns:a16="http://schemas.microsoft.com/office/drawing/2014/main" id="{10A4419D-440F-0014-EBB2-CDBE36C74547}"/>
+              </a:ext>
+            </a:extLst>
+          </p:cNvPr>
+          <p:cNvPicPr>
+            <a:picLocks noChangeAspect="1"/>
+          </p:cNvPicPr>
+          <p:nvPr/>
+        </p:nvPicPr>
+        <p:blipFill>
+          <a:blip r:embed="rId3">
+            <a:extLst>
+              <a:ext uri="{28A0092B-C50C-407E-A947-70E740481C1C}">
+                <a14:useLocalDpi xmlns:a14="http://schemas.microsoft.com/office/drawing/2010/main" val="0"/>
+              </a:ext>
+            </a:extLst>
+          </a:blip>
+          <a:stretch>
+            <a:fillRect/>
+          </a:stretch>
+        </p:blipFill>
+        <p:spPr>
+          <a:xfrm>
+            <a:off x="6780064" y="1678842"/>
+            <a:ext cx="4347549" cy="3223096"/>
+          </a:xfrm>
+          <a:prstGeom prst="rect">
+            <a:avLst/>
+          </a:prstGeom>
+          <a:ln>
+            <a:noFill/>
+          </a:ln>
+          <a:effectLst>
+            <a:softEdge rad="112500"/>
+          </a:effectLst>
+        </p:spPr>
+      </p:pic>
+    </p:spTree>
+    <p:extLst>
+      <p:ext uri="{BB962C8B-B14F-4D97-AF65-F5344CB8AC3E}">
+        <p14:creationId xmlns:p14="http://schemas.microsoft.com/office/powerpoint/2010/main" val="1884550478"/>
+      </p:ext>
+    </p:extLst>
+  </p:cSld>
+  <p:clrMapOvr>
+    <a:masterClrMapping/>
+  </p:clrMapOvr>
+</p:sld>
+</file>
+
+<file path=ppt/slides/slide7.xml><?xml version="1.0" encoding="utf-8"?>
+<p:sld xmlns:a="http://schemas.openxmlformats.org/drawingml/2006/main" xmlns:r="http://schemas.openxmlformats.org/officeDocument/2006/relationships" xmlns:p="http://schemas.openxmlformats.org/presentationml/2006/main">
+  <p:cSld>
+    <p:spTree>
+      <p:nvGrpSpPr>
+        <p:cNvPr id="1" name=""/>
+        <p:cNvGrpSpPr/>
+        <p:nvPr/>
+      </p:nvGrpSpPr>
+      <p:grpSpPr>
+        <a:xfrm>
+          <a:off x="0" y="0"/>
+          <a:ext cx="0" cy="0"/>
+          <a:chOff x="0" y="0"/>
+          <a:chExt cx="0" cy="0"/>
+        </a:xfrm>
+      </p:grpSpPr>
+      <p:pic>
+        <p:nvPicPr>
+          <p:cNvPr id="5" name="Picture 4" descr="A computer code with text&#10;&#10;Description automatically generated">
+            <a:extLst>
+              <a:ext uri="{FF2B5EF4-FFF2-40B4-BE49-F238E27FC236}">
+                <a16:creationId xmlns:a16="http://schemas.microsoft.com/office/drawing/2014/main" id="{102849D7-05BD-C091-055C-1AC7A0D0E45F}"/>
+              </a:ext>
+            </a:extLst>
+          </p:cNvPr>
+          <p:cNvPicPr>
+            <a:picLocks noChangeAspect="1"/>
+          </p:cNvPicPr>
+          <p:nvPr/>
+        </p:nvPicPr>
+        <p:blipFill>
+          <a:blip r:embed="rId2">
+            <a:extLst>
+              <a:ext uri="{28A0092B-C50C-407E-A947-70E740481C1C}">
+                <a14:useLocalDpi xmlns:a14="http://schemas.microsoft.com/office/drawing/2010/main" val="0"/>
+              </a:ext>
+            </a:extLst>
+          </a:blip>
+          <a:stretch>
+            <a:fillRect/>
+          </a:stretch>
+        </p:blipFill>
+        <p:spPr>
+          <a:xfrm>
+            <a:off x="1026971" y="1792523"/>
+            <a:ext cx="3893821" cy="2831294"/>
+          </a:xfrm>
+          <a:prstGeom prst="rect">
+            <a:avLst/>
+          </a:prstGeom>
+          <a:ln>
+            <a:noFill/>
+          </a:ln>
+          <a:effectLst>
+            <a:softEdge rad="112500"/>
+          </a:effectLst>
+        </p:spPr>
+      </p:pic>
+      <p:pic>
+        <p:nvPicPr>
+          <p:cNvPr id="7" name="Picture 6" descr="A computer code with text&#10;&#10;Description automatically generated">
+            <a:extLst>
+              <a:ext uri="{FF2B5EF4-FFF2-40B4-BE49-F238E27FC236}">
+                <a16:creationId xmlns:a16="http://schemas.microsoft.com/office/drawing/2014/main" id="{04383025-C5DD-D78C-BD53-958E77EDA19E}"/>
+              </a:ext>
+            </a:extLst>
+          </p:cNvPr>
+          <p:cNvPicPr>
+            <a:picLocks noChangeAspect="1"/>
+          </p:cNvPicPr>
+          <p:nvPr/>
+        </p:nvPicPr>
+        <p:blipFill>
+          <a:blip r:embed="rId3">
+            <a:extLst>
+              <a:ext uri="{28A0092B-C50C-407E-A947-70E740481C1C}">
+                <a14:useLocalDpi xmlns:a14="http://schemas.microsoft.com/office/drawing/2010/main" val="0"/>
+              </a:ext>
+            </a:extLst>
+          </a:blip>
+          <a:stretch>
+            <a:fillRect/>
+          </a:stretch>
+        </p:blipFill>
+        <p:spPr>
+          <a:xfrm>
+            <a:off x="7110275" y="1781568"/>
+            <a:ext cx="3711696" cy="2934377"/>
+          </a:xfrm>
+          <a:prstGeom prst="rect">
+            <a:avLst/>
+          </a:prstGeom>
+          <a:ln>
+            <a:noFill/>
+          </a:ln>
+          <a:effectLst>
+            <a:softEdge rad="112500"/>
+          </a:effectLst>
+        </p:spPr>
+      </p:pic>
+      <p:sp>
+        <p:nvSpPr>
+          <p:cNvPr id="8" name="Title 15">
+            <a:extLst>
+              <a:ext uri="{FF2B5EF4-FFF2-40B4-BE49-F238E27FC236}">
+                <a16:creationId xmlns:a16="http://schemas.microsoft.com/office/drawing/2014/main" id="{A059758E-D292-08FB-A777-A89C7DF8A3C0}"/>
+              </a:ext>
+            </a:extLst>
+          </p:cNvPr>
+          <p:cNvSpPr>
+            <a:spLocks noGrp="1"/>
+          </p:cNvSpPr>
+          <p:nvPr>
+            <p:ph type="title"/>
+          </p:nvPr>
+        </p:nvSpPr>
+        <p:spPr>
+          <a:xfrm>
+            <a:off x="5159605" y="296053"/>
+            <a:ext cx="1872790" cy="990600"/>
+          </a:xfrm>
+        </p:spPr>
+        <p:txBody>
+          <a:bodyPr/>
+          <a:lstStyle/>
+          <a:p>
+            <a:r>
+              <a:rPr lang="th-TH" dirty="0">
+                <a:solidFill>
+                  <a:schemeClr val="accent4"/>
+                </a:solidFill>
+              </a:rPr>
+              <a:t>ตัวอย่าง</a:t>
+            </a:r>
+            <a:endParaRPr lang="en-US" dirty="0">
+              <a:solidFill>
+                <a:schemeClr val="accent4"/>
+              </a:solidFill>
+            </a:endParaRPr>
+          </a:p>
+        </p:txBody>
+      </p:sp>
+    </p:spTree>
+    <p:extLst>
+      <p:ext uri="{BB962C8B-B14F-4D97-AF65-F5344CB8AC3E}">
+        <p14:creationId xmlns:p14="http://schemas.microsoft.com/office/powerpoint/2010/main" val="1376665699"/>
+      </p:ext>
+    </p:extLst>
+  </p:cSld>
+  <p:clrMapOvr>
+    <a:masterClrMapping/>
+  </p:clrMapOvr>
+</p:sld>
+</file>
+
+<file path=ppt/slides/slide8.xml><?xml version="1.0" encoding="utf-8"?>
+<p:sld xmlns:a="http://schemas.openxmlformats.org/drawingml/2006/main" xmlns:r="http://schemas.openxmlformats.org/officeDocument/2006/relationships" xmlns:p="http://schemas.openxmlformats.org/presentationml/2006/main">
+  <p:cSld>
+    <p:spTree>
+      <p:nvGrpSpPr>
+        <p:cNvPr id="1" name=""/>
+        <p:cNvGrpSpPr/>
+        <p:nvPr/>
+      </p:nvGrpSpPr>
+      <p:grpSpPr>
+        <a:xfrm>
+          <a:off x="0" y="0"/>
+          <a:ext cx="0" cy="0"/>
+          <a:chOff x="0" y="0"/>
+          <a:chExt cx="0" cy="0"/>
+        </a:xfrm>
+      </p:grpSpPr>
+      <p:sp>
+        <p:nvSpPr>
           <p:cNvPr id="24" name="Title 1">
             <a:extLst>
               <a:ext uri="{FF2B5EF4-FFF2-40B4-BE49-F238E27FC236}">
@@ -4830,7 +5361,7 @@
 </p:sld>
 </file>
 
-<file path=ppt/slides/slide7.xml><?xml version="1.0" encoding="utf-8"?>
+<file path=ppt/slides/slide9.xml><?xml version="1.0" encoding="utf-8"?>
 <p:sld xmlns:a="http://schemas.openxmlformats.org/drawingml/2006/main" xmlns:r="http://schemas.openxmlformats.org/officeDocument/2006/relationships" xmlns:p="http://schemas.openxmlformats.org/presentationml/2006/main">
   <p:cSld>
     <p:spTree>
@@ -5157,11 +5688,12 @@
 </file>
 
 <file path=customXml/item1.xml><?xml version="1.0" encoding="utf-8"?>
-<p:properties xmlns:p="http://schemas.microsoft.com/office/2006/metadata/properties" xmlns:xsi="http://www.w3.org/2001/XMLSchema-instance" xmlns:pc="http://schemas.microsoft.com/office/infopath/2007/PartnerControls">
-  <documentManagement>
-    <_activity xmlns="00363bb3-e74f-4104-86a2-6ab0a07f612a" xsi:nil="true"/>
-  </documentManagement>
-</p:properties>
+<?mso-contentType ?>
+<FormTemplates xmlns="http://schemas.microsoft.com/sharepoint/v3/contenttype/forms">
+  <Display>DocumentLibraryForm</Display>
+  <Edit>DocumentLibraryForm</Edit>
+  <New>DocumentLibraryForm</New>
+</FormTemplates>
 </file>
 
 <file path=customXml/item2.xml><?xml version="1.0" encoding="utf-8"?>
@@ -5362,27 +5894,17 @@
 </file>
 
 <file path=customXml/item3.xml><?xml version="1.0" encoding="utf-8"?>
-<?mso-contentType ?>
-<FormTemplates xmlns="http://schemas.microsoft.com/sharepoint/v3/contenttype/forms">
-  <Display>DocumentLibraryForm</Display>
-  <Edit>DocumentLibraryForm</Edit>
-  <New>DocumentLibraryForm</New>
-</FormTemplates>
+<p:properties xmlns:p="http://schemas.microsoft.com/office/2006/metadata/properties" xmlns:xsi="http://www.w3.org/2001/XMLSchema-instance" xmlns:pc="http://schemas.microsoft.com/office/infopath/2007/PartnerControls">
+  <documentManagement>
+    <_activity xmlns="00363bb3-e74f-4104-86a2-6ab0a07f612a" xsi:nil="true"/>
+  </documentManagement>
+</p:properties>
 </file>
 
 <file path=customXml/itemProps1.xml><?xml version="1.0" encoding="utf-8"?>
-<ds:datastoreItem xmlns:ds="http://schemas.openxmlformats.org/officeDocument/2006/customXml" ds:itemID="{65CE3D6F-A47A-4EF6-9AAA-448D40CD52E1}">
+<ds:datastoreItem xmlns:ds="http://schemas.openxmlformats.org/officeDocument/2006/customXml" ds:itemID="{3AFD6F1C-F431-4FE1-8BD4-9AEBE26E301E}">
   <ds:schemaRefs>
-    <ds:schemaRef ds:uri="00363bb3-e74f-4104-86a2-6ab0a07f612a"/>
-    <ds:schemaRef ds:uri="http://schemas.microsoft.com/office/infopath/2007/PartnerControls"/>
-    <ds:schemaRef ds:uri="http://schemas.microsoft.com/office/2006/documentManagement/types"/>
-    <ds:schemaRef ds:uri="caacfb58-780e-4416-9bbb-ed7f20a98dcc"/>
-    <ds:schemaRef ds:uri="http://schemas.microsoft.com/office/2006/metadata/properties"/>
-    <ds:schemaRef ds:uri="http://purl.org/dc/dcmitype/"/>
-    <ds:schemaRef ds:uri="http://purl.org/dc/terms/"/>
-    <ds:schemaRef ds:uri="http://schemas.openxmlformats.org/package/2006/metadata/core-properties"/>
-    <ds:schemaRef ds:uri="http://www.w3.org/XML/1998/namespace"/>
-    <ds:schemaRef ds:uri="http://purl.org/dc/elements/1.1/"/>
+    <ds:schemaRef ds:uri="http://schemas.microsoft.com/sharepoint/v3/contenttype/forms"/>
   </ds:schemaRefs>
 </ds:datastoreItem>
 </file>
@@ -5407,9 +5929,18 @@
 </file>
 
 <file path=customXml/itemProps3.xml><?xml version="1.0" encoding="utf-8"?>
-<ds:datastoreItem xmlns:ds="http://schemas.openxmlformats.org/officeDocument/2006/customXml" ds:itemID="{3AFD6F1C-F431-4FE1-8BD4-9AEBE26E301E}">
+<ds:datastoreItem xmlns:ds="http://schemas.openxmlformats.org/officeDocument/2006/customXml" ds:itemID="{65CE3D6F-A47A-4EF6-9AAA-448D40CD52E1}">
   <ds:schemaRefs>
-    <ds:schemaRef ds:uri="http://schemas.microsoft.com/sharepoint/v3/contenttype/forms"/>
+    <ds:schemaRef ds:uri="00363bb3-e74f-4104-86a2-6ab0a07f612a"/>
+    <ds:schemaRef ds:uri="http://schemas.microsoft.com/office/infopath/2007/PartnerControls"/>
+    <ds:schemaRef ds:uri="http://schemas.microsoft.com/office/2006/documentManagement/types"/>
+    <ds:schemaRef ds:uri="caacfb58-780e-4416-9bbb-ed7f20a98dcc"/>
+    <ds:schemaRef ds:uri="http://schemas.microsoft.com/office/2006/metadata/properties"/>
+    <ds:schemaRef ds:uri="http://purl.org/dc/dcmitype/"/>
+    <ds:schemaRef ds:uri="http://purl.org/dc/terms/"/>
+    <ds:schemaRef ds:uri="http://schemas.openxmlformats.org/package/2006/metadata/core-properties"/>
+    <ds:schemaRef ds:uri="http://www.w3.org/XML/1998/namespace"/>
+    <ds:schemaRef ds:uri="http://purl.org/dc/elements/1.1/"/>
   </ds:schemaRefs>
 </ds:datastoreItem>
 </file>
--- a/Class in Dart.pptx
+++ b/Class in Dart.pptx
@@ -3994,13 +3994,14 @@
           <a:lstStyle/>
           <a:p>
             <a:r>
+              <a:rPr lang="en-US" dirty="0"/>
+              <a:t> Class </a:t>
+            </a:r>
+            <a:r>
               <a:rPr lang="th-TH" dirty="0"/>
-              <a:t>ส่วนประกอบของ </a:t>
-            </a:r>
-            <a:r>
-              <a:rPr lang="en-US" dirty="0"/>
-              <a:t>Class</a:t>
-            </a:r>
+              <a:t>ประกอบด้วยสมาชิก 2 ประเภท</a:t>
+            </a:r>
+            <a:endParaRPr lang="en-US" dirty="0"/>
           </a:p>
         </p:txBody>
       </p:sp>
@@ -5688,12 +5689,11 @@
 </file>
 
 <file path=customXml/item1.xml><?xml version="1.0" encoding="utf-8"?>
-<?mso-contentType ?>
-<FormTemplates xmlns="http://schemas.microsoft.com/sharepoint/v3/contenttype/forms">
-  <Display>DocumentLibraryForm</Display>
-  <Edit>DocumentLibraryForm</Edit>
-  <New>DocumentLibraryForm</New>
-</FormTemplates>
+<p:properties xmlns:p="http://schemas.microsoft.com/office/2006/metadata/properties" xmlns:xsi="http://www.w3.org/2001/XMLSchema-instance" xmlns:pc="http://schemas.microsoft.com/office/infopath/2007/PartnerControls">
+  <documentManagement>
+    <_activity xmlns="00363bb3-e74f-4104-86a2-6ab0a07f612a" xsi:nil="true"/>
+  </documentManagement>
+</p:properties>
 </file>
 
 <file path=customXml/item2.xml><?xml version="1.0" encoding="utf-8"?>
@@ -5894,17 +5894,27 @@
 </file>
 
 <file path=customXml/item3.xml><?xml version="1.0" encoding="utf-8"?>
-<p:properties xmlns:p="http://schemas.microsoft.com/office/2006/metadata/properties" xmlns:xsi="http://www.w3.org/2001/XMLSchema-instance" xmlns:pc="http://schemas.microsoft.com/office/infopath/2007/PartnerControls">
-  <documentManagement>
-    <_activity xmlns="00363bb3-e74f-4104-86a2-6ab0a07f612a" xsi:nil="true"/>
-  </documentManagement>
-</p:properties>
+<?mso-contentType ?>
+<FormTemplates xmlns="http://schemas.microsoft.com/sharepoint/v3/contenttype/forms">
+  <Display>DocumentLibraryForm</Display>
+  <Edit>DocumentLibraryForm</Edit>
+  <New>DocumentLibraryForm</New>
+</FormTemplates>
 </file>
 
 <file path=customXml/itemProps1.xml><?xml version="1.0" encoding="utf-8"?>
-<ds:datastoreItem xmlns:ds="http://schemas.openxmlformats.org/officeDocument/2006/customXml" ds:itemID="{3AFD6F1C-F431-4FE1-8BD4-9AEBE26E301E}">
+<ds:datastoreItem xmlns:ds="http://schemas.openxmlformats.org/officeDocument/2006/customXml" ds:itemID="{65CE3D6F-A47A-4EF6-9AAA-448D40CD52E1}">
   <ds:schemaRefs>
-    <ds:schemaRef ds:uri="http://schemas.microsoft.com/sharepoint/v3/contenttype/forms"/>
+    <ds:schemaRef ds:uri="00363bb3-e74f-4104-86a2-6ab0a07f612a"/>
+    <ds:schemaRef ds:uri="http://schemas.microsoft.com/office/infopath/2007/PartnerControls"/>
+    <ds:schemaRef ds:uri="http://schemas.microsoft.com/office/2006/documentManagement/types"/>
+    <ds:schemaRef ds:uri="caacfb58-780e-4416-9bbb-ed7f20a98dcc"/>
+    <ds:schemaRef ds:uri="http://schemas.microsoft.com/office/2006/metadata/properties"/>
+    <ds:schemaRef ds:uri="http://purl.org/dc/dcmitype/"/>
+    <ds:schemaRef ds:uri="http://purl.org/dc/terms/"/>
+    <ds:schemaRef ds:uri="http://schemas.openxmlformats.org/package/2006/metadata/core-properties"/>
+    <ds:schemaRef ds:uri="http://www.w3.org/XML/1998/namespace"/>
+    <ds:schemaRef ds:uri="http://purl.org/dc/elements/1.1/"/>
   </ds:schemaRefs>
 </ds:datastoreItem>
 </file>
@@ -5929,18 +5939,9 @@
 </file>
 
 <file path=customXml/itemProps3.xml><?xml version="1.0" encoding="utf-8"?>
-<ds:datastoreItem xmlns:ds="http://schemas.openxmlformats.org/officeDocument/2006/customXml" ds:itemID="{65CE3D6F-A47A-4EF6-9AAA-448D40CD52E1}">
+<ds:datastoreItem xmlns:ds="http://schemas.openxmlformats.org/officeDocument/2006/customXml" ds:itemID="{3AFD6F1C-F431-4FE1-8BD4-9AEBE26E301E}">
   <ds:schemaRefs>
-    <ds:schemaRef ds:uri="00363bb3-e74f-4104-86a2-6ab0a07f612a"/>
-    <ds:schemaRef ds:uri="http://schemas.microsoft.com/office/infopath/2007/PartnerControls"/>
-    <ds:schemaRef ds:uri="http://schemas.microsoft.com/office/2006/documentManagement/types"/>
-    <ds:schemaRef ds:uri="caacfb58-780e-4416-9bbb-ed7f20a98dcc"/>
-    <ds:schemaRef ds:uri="http://schemas.microsoft.com/office/2006/metadata/properties"/>
-    <ds:schemaRef ds:uri="http://purl.org/dc/dcmitype/"/>
-    <ds:schemaRef ds:uri="http://purl.org/dc/terms/"/>
-    <ds:schemaRef ds:uri="http://schemas.openxmlformats.org/package/2006/metadata/core-properties"/>
-    <ds:schemaRef ds:uri="http://www.w3.org/XML/1998/namespace"/>
-    <ds:schemaRef ds:uri="http://purl.org/dc/elements/1.1/"/>
+    <ds:schemaRef ds:uri="http://schemas.microsoft.com/sharepoint/v3/contenttype/forms"/>
   </ds:schemaRefs>
 </ds:datastoreItem>
 </file>